--- a/MongoDB.pptx
+++ b/MongoDB.pptx
@@ -9420,7 +9420,7 @@
               <a:t>()  </a:t>
             </a:r>
             <a:r>
-              <a:rPr lang="en-US" sz="2000" dirty="0">
+              <a:rPr lang="en-US" sz="1600" dirty="0">
                 <a:solidFill>
                   <a:schemeClr val="bg1">
                     <a:lumMod val="95000"/>
@@ -9429,6 +9429,13 @@
               </a:rPr>
               <a:t>// It returns an Error</a:t>
             </a:r>
+            <a:endParaRPr lang="en-US" sz="2000" dirty="0">
+              <a:solidFill>
+                <a:schemeClr val="bg1">
+                  <a:lumMod val="95000"/>
+                </a:schemeClr>
+              </a:solidFill>
+            </a:endParaRPr>
           </a:p>
         </p:txBody>
       </p:sp>

--- a/MongoDB.pptx
+++ b/MongoDB.pptx
@@ -15,6 +15,7 @@
     <p:sldId id="261" r:id="rId9"/>
     <p:sldId id="262" r:id="rId10"/>
     <p:sldId id="266" r:id="rId11"/>
+    <p:sldId id="267" r:id="rId12"/>
   </p:sldIdLst>
   <p:sldSz cx="12192000" cy="6858000"/>
   <p:notesSz cx="6858000" cy="9144000"/>
@@ -3678,7 +3679,7 @@
           <a:p>
             <a:fld id="{96BF6615-5CFE-4B8E-BC20-4A44397F9CDD}" type="datetimeFigureOut">
               <a:rPr lang="en-US" smtClean="0"/>
-              <a:t>9/2/2024</a:t>
+              <a:t>9/3/2024</a:t>
             </a:fld>
             <a:endParaRPr lang="en-US" dirty="0"/>
           </a:p>
@@ -3876,7 +3877,7 @@
           <a:p>
             <a:fld id="{96BF6615-5CFE-4B8E-BC20-4A44397F9CDD}" type="datetimeFigureOut">
               <a:rPr lang="en-US" smtClean="0"/>
-              <a:t>9/2/2024</a:t>
+              <a:t>9/3/2024</a:t>
             </a:fld>
             <a:endParaRPr lang="en-US" dirty="0"/>
           </a:p>
@@ -4084,7 +4085,7 @@
           <a:p>
             <a:fld id="{96BF6615-5CFE-4B8E-BC20-4A44397F9CDD}" type="datetimeFigureOut">
               <a:rPr lang="en-US" smtClean="0"/>
-              <a:t>9/2/2024</a:t>
+              <a:t>9/3/2024</a:t>
             </a:fld>
             <a:endParaRPr lang="en-US" dirty="0"/>
           </a:p>
@@ -4282,7 +4283,7 @@
           <a:p>
             <a:fld id="{96BF6615-5CFE-4B8E-BC20-4A44397F9CDD}" type="datetimeFigureOut">
               <a:rPr lang="en-US" smtClean="0"/>
-              <a:t>9/2/2024</a:t>
+              <a:t>9/3/2024</a:t>
             </a:fld>
             <a:endParaRPr lang="en-US" dirty="0"/>
           </a:p>
@@ -4557,7 +4558,7 @@
           <a:p>
             <a:fld id="{96BF6615-5CFE-4B8E-BC20-4A44397F9CDD}" type="datetimeFigureOut">
               <a:rPr lang="en-US" smtClean="0"/>
-              <a:t>9/2/2024</a:t>
+              <a:t>9/3/2024</a:t>
             </a:fld>
             <a:endParaRPr lang="en-US" dirty="0"/>
           </a:p>
@@ -4822,7 +4823,7 @@
           <a:p>
             <a:fld id="{96BF6615-5CFE-4B8E-BC20-4A44397F9CDD}" type="datetimeFigureOut">
               <a:rPr lang="en-US" smtClean="0"/>
-              <a:t>9/2/2024</a:t>
+              <a:t>9/3/2024</a:t>
             </a:fld>
             <a:endParaRPr lang="en-US" dirty="0"/>
           </a:p>
@@ -5234,7 +5235,7 @@
           <a:p>
             <a:fld id="{96BF6615-5CFE-4B8E-BC20-4A44397F9CDD}" type="datetimeFigureOut">
               <a:rPr lang="en-US" smtClean="0"/>
-              <a:t>9/2/2024</a:t>
+              <a:t>9/3/2024</a:t>
             </a:fld>
             <a:endParaRPr lang="en-US" dirty="0"/>
           </a:p>
@@ -5375,7 +5376,7 @@
           <a:p>
             <a:fld id="{96BF6615-5CFE-4B8E-BC20-4A44397F9CDD}" type="datetimeFigureOut">
               <a:rPr lang="en-US" smtClean="0"/>
-              <a:t>9/2/2024</a:t>
+              <a:t>9/3/2024</a:t>
             </a:fld>
             <a:endParaRPr lang="en-US" dirty="0"/>
           </a:p>
@@ -5488,7 +5489,7 @@
           <a:p>
             <a:fld id="{96BF6615-5CFE-4B8E-BC20-4A44397F9CDD}" type="datetimeFigureOut">
               <a:rPr lang="en-US" smtClean="0"/>
-              <a:t>9/2/2024</a:t>
+              <a:t>9/3/2024</a:t>
             </a:fld>
             <a:endParaRPr lang="en-US" dirty="0"/>
           </a:p>
@@ -5799,7 +5800,7 @@
           <a:p>
             <a:fld id="{96BF6615-5CFE-4B8E-BC20-4A44397F9CDD}" type="datetimeFigureOut">
               <a:rPr lang="en-US" smtClean="0"/>
-              <a:t>9/2/2024</a:t>
+              <a:t>9/3/2024</a:t>
             </a:fld>
             <a:endParaRPr lang="en-US" dirty="0"/>
           </a:p>
@@ -6087,7 +6088,7 @@
           <a:p>
             <a:fld id="{96BF6615-5CFE-4B8E-BC20-4A44397F9CDD}" type="datetimeFigureOut">
               <a:rPr lang="en-US" smtClean="0"/>
-              <a:t>9/2/2024</a:t>
+              <a:t>9/3/2024</a:t>
             </a:fld>
             <a:endParaRPr lang="en-US" dirty="0"/>
           </a:p>
@@ -6328,7 +6329,7 @@
           <a:p>
             <a:fld id="{96BF6615-5CFE-4B8E-BC20-4A44397F9CDD}" type="datetimeFigureOut">
               <a:rPr lang="en-US" smtClean="0"/>
-              <a:t>9/2/2024</a:t>
+              <a:t>9/3/2024</a:t>
             </a:fld>
             <a:endParaRPr lang="en-US" dirty="0"/>
           </a:p>
@@ -7212,6 +7213,330 @@
 </p:sld>
 </file>
 
+<file path=ppt/slides/slide11.xml><?xml version="1.0" encoding="utf-8"?>
+<p:sld xmlns:a="http://schemas.openxmlformats.org/drawingml/2006/main" xmlns:r="http://schemas.openxmlformats.org/officeDocument/2006/relationships" xmlns:p="http://schemas.openxmlformats.org/presentationml/2006/main">
+  <p:cSld>
+    <p:bg>
+      <p:bgPr>
+        <a:solidFill>
+          <a:srgbClr val="040E1A"/>
+        </a:solidFill>
+        <a:effectLst/>
+      </p:bgPr>
+    </p:bg>
+    <p:spTree>
+      <p:nvGrpSpPr>
+        <p:cNvPr id="1" name=""/>
+        <p:cNvGrpSpPr/>
+        <p:nvPr/>
+      </p:nvGrpSpPr>
+      <p:grpSpPr>
+        <a:xfrm>
+          <a:off x="0" y="0"/>
+          <a:ext cx="0" cy="0"/>
+          <a:chOff x="0" y="0"/>
+          <a:chExt cx="0" cy="0"/>
+        </a:xfrm>
+      </p:grpSpPr>
+      <p:sp>
+        <p:nvSpPr>
+          <p:cNvPr id="2" name="Title 1">
+            <a:extLst>
+              <a:ext uri="{FF2B5EF4-FFF2-40B4-BE49-F238E27FC236}">
+                <a16:creationId xmlns:a16="http://schemas.microsoft.com/office/drawing/2014/main" id="{CF10AB08-2AE1-487B-8E88-BEDF82D22428}"/>
+              </a:ext>
+            </a:extLst>
+          </p:cNvPr>
+          <p:cNvSpPr>
+            <a:spLocks noGrp="1"/>
+          </p:cNvSpPr>
+          <p:nvPr>
+            <p:ph type="title"/>
+          </p:nvPr>
+        </p:nvSpPr>
+        <p:spPr/>
+        <p:txBody>
+          <a:bodyPr/>
+          <a:lstStyle/>
+          <a:p>
+            <a:r>
+              <a:rPr lang="en-US" dirty="0">
+                <a:solidFill>
+                  <a:srgbClr val="00B050"/>
+                </a:solidFill>
+              </a:rPr>
+              <a:t>DB: </a:t>
+            </a:r>
+            <a:r>
+              <a:rPr lang="en-US" dirty="0">
+                <a:solidFill>
+                  <a:schemeClr val="bg1">
+                    <a:lumMod val="95000"/>
+                  </a:schemeClr>
+                </a:solidFill>
+              </a:rPr>
+              <a:t>Projections</a:t>
+            </a:r>
+          </a:p>
+        </p:txBody>
+      </p:sp>
+      <p:sp>
+        <p:nvSpPr>
+          <p:cNvPr id="3" name="Content Placeholder 2">
+            <a:extLst>
+              <a:ext uri="{FF2B5EF4-FFF2-40B4-BE49-F238E27FC236}">
+                <a16:creationId xmlns:a16="http://schemas.microsoft.com/office/drawing/2014/main" id="{1E56B40A-B234-4B8B-9AAF-C52FDD440812}"/>
+              </a:ext>
+            </a:extLst>
+          </p:cNvPr>
+          <p:cNvSpPr>
+            <a:spLocks noGrp="1"/>
+          </p:cNvSpPr>
+          <p:nvPr>
+            <p:ph idx="1"/>
+          </p:nvPr>
+        </p:nvSpPr>
+        <p:spPr/>
+        <p:txBody>
+          <a:bodyPr>
+            <a:normAutofit/>
+          </a:bodyPr>
+          <a:lstStyle/>
+          <a:p>
+            <a:pPr marL="0" indent="0">
+              <a:buNone/>
+            </a:pPr>
+            <a:r>
+              <a:rPr lang="en-US" sz="2000" dirty="0">
+                <a:solidFill>
+                  <a:schemeClr val="bg1"/>
+                </a:solidFill>
+              </a:rPr>
+              <a:t>Projection means, just showing specific fields. Like, we want to show just name.</a:t>
+            </a:r>
+          </a:p>
+          <a:p>
+            <a:pPr marL="457200" lvl="1" indent="0">
+              <a:buNone/>
+            </a:pPr>
+            <a:r>
+              <a:rPr lang="en-US" sz="1600" dirty="0" err="1">
+                <a:solidFill>
+                  <a:srgbClr val="00B050"/>
+                </a:solidFill>
+              </a:rPr>
+              <a:t>db.user.find</a:t>
+            </a:r>
+            <a:r>
+              <a:rPr lang="en-US" sz="1600" dirty="0">
+                <a:solidFill>
+                  <a:srgbClr val="00B050"/>
+                </a:solidFill>
+              </a:rPr>
+              <a:t>({}, {name: 1}) + Enter</a:t>
+            </a:r>
+          </a:p>
+          <a:p>
+            <a:pPr marL="457200" lvl="1" indent="0">
+              <a:buNone/>
+            </a:pPr>
+            <a:endParaRPr lang="en-US" sz="1600" dirty="0">
+              <a:solidFill>
+                <a:srgbClr val="00B050"/>
+              </a:solidFill>
+            </a:endParaRPr>
+          </a:p>
+          <a:p>
+            <a:pPr marL="457200" lvl="1" indent="0">
+              <a:buNone/>
+            </a:pPr>
+            <a:endParaRPr lang="en-US" sz="1600" dirty="0">
+              <a:solidFill>
+                <a:srgbClr val="00B050"/>
+              </a:solidFill>
+            </a:endParaRPr>
+          </a:p>
+          <a:p>
+            <a:pPr marL="457200" lvl="1" indent="0">
+              <a:buNone/>
+            </a:pPr>
+            <a:endParaRPr lang="en-US" sz="1600" dirty="0">
+              <a:solidFill>
+                <a:srgbClr val="00B050"/>
+              </a:solidFill>
+            </a:endParaRPr>
+          </a:p>
+          <a:p>
+            <a:pPr marL="457200" lvl="1" indent="0">
+              <a:buNone/>
+            </a:pPr>
+            <a:endParaRPr lang="en-US" sz="1600" dirty="0">
+              <a:solidFill>
+                <a:srgbClr val="00B050"/>
+              </a:solidFill>
+            </a:endParaRPr>
+          </a:p>
+          <a:p>
+            <a:pPr marL="457200" lvl="1" indent="0">
+              <a:buNone/>
+            </a:pPr>
+            <a:endParaRPr lang="en-US" sz="1600" dirty="0">
+              <a:solidFill>
+                <a:srgbClr val="00B050"/>
+              </a:solidFill>
+            </a:endParaRPr>
+          </a:p>
+          <a:p>
+            <a:pPr marL="457200" lvl="1" indent="0">
+              <a:buNone/>
+            </a:pPr>
+            <a:endParaRPr lang="en-US" sz="1600" dirty="0">
+              <a:solidFill>
+                <a:srgbClr val="00B050"/>
+              </a:solidFill>
+            </a:endParaRPr>
+          </a:p>
+          <a:p>
+            <a:pPr marL="457200" lvl="1" indent="0">
+              <a:buNone/>
+            </a:pPr>
+            <a:endParaRPr lang="en-US" sz="1600" dirty="0">
+              <a:solidFill>
+                <a:srgbClr val="00B050"/>
+              </a:solidFill>
+            </a:endParaRPr>
+          </a:p>
+          <a:p>
+            <a:pPr marL="457200" lvl="1" indent="0">
+              <a:buNone/>
+            </a:pPr>
+            <a:endParaRPr lang="en-US" sz="1600" dirty="0">
+              <a:solidFill>
+                <a:srgbClr val="00B050"/>
+              </a:solidFill>
+            </a:endParaRPr>
+          </a:p>
+          <a:p>
+            <a:pPr marL="457200" lvl="1" indent="0">
+              <a:buNone/>
+            </a:pPr>
+            <a:endParaRPr lang="en-US" sz="1600" dirty="0">
+              <a:solidFill>
+                <a:srgbClr val="00B050"/>
+              </a:solidFill>
+            </a:endParaRPr>
+          </a:p>
+          <a:p>
+            <a:pPr marL="0" indent="0">
+              <a:buNone/>
+            </a:pPr>
+            <a:r>
+              <a:rPr lang="en-US" sz="2000" dirty="0">
+                <a:solidFill>
+                  <a:schemeClr val="bg1">
+                    <a:lumMod val="95000"/>
+                  </a:schemeClr>
+                </a:solidFill>
+              </a:rPr>
+              <a:t>Remove also id:</a:t>
+            </a:r>
+          </a:p>
+          <a:p>
+            <a:pPr marL="457200" lvl="1" indent="0">
+              <a:buNone/>
+            </a:pPr>
+            <a:r>
+              <a:rPr lang="en-US" sz="1600" dirty="0" err="1">
+                <a:solidFill>
+                  <a:srgbClr val="00B050"/>
+                </a:solidFill>
+              </a:rPr>
+              <a:t>db.user.find</a:t>
+            </a:r>
+            <a:r>
+              <a:rPr lang="en-US" sz="1600" dirty="0">
+                <a:solidFill>
+                  <a:srgbClr val="00B050"/>
+                </a:solidFill>
+              </a:rPr>
+              <a:t>({}, {name:1, _id:0}) + Enter</a:t>
+            </a:r>
+          </a:p>
+        </p:txBody>
+      </p:sp>
+      <p:pic>
+        <p:nvPicPr>
+          <p:cNvPr id="5" name="Picture 4">
+            <a:extLst>
+              <a:ext uri="{FF2B5EF4-FFF2-40B4-BE49-F238E27FC236}">
+                <a16:creationId xmlns:a16="http://schemas.microsoft.com/office/drawing/2014/main" id="{8DCE6E48-FA6E-4AA4-8B66-57B7C8C64FCB}"/>
+              </a:ext>
+            </a:extLst>
+          </p:cNvPr>
+          <p:cNvPicPr>
+            <a:picLocks noChangeAspect="1"/>
+          </p:cNvPicPr>
+          <p:nvPr/>
+        </p:nvPicPr>
+        <p:blipFill>
+          <a:blip r:embed="rId2"/>
+          <a:stretch>
+            <a:fillRect/>
+          </a:stretch>
+        </p:blipFill>
+        <p:spPr>
+          <a:xfrm>
+            <a:off x="4497456" y="2195512"/>
+            <a:ext cx="5105400" cy="2466975"/>
+          </a:xfrm>
+          <a:prstGeom prst="rect">
+            <a:avLst/>
+          </a:prstGeom>
+        </p:spPr>
+      </p:pic>
+      <p:pic>
+        <p:nvPicPr>
+          <p:cNvPr id="7" name="Picture 6">
+            <a:extLst>
+              <a:ext uri="{FF2B5EF4-FFF2-40B4-BE49-F238E27FC236}">
+                <a16:creationId xmlns:a16="http://schemas.microsoft.com/office/drawing/2014/main" id="{220557A2-B263-4A59-AA2B-06F88C334503}"/>
+              </a:ext>
+            </a:extLst>
+          </p:cNvPr>
+          <p:cNvPicPr>
+            <a:picLocks noChangeAspect="1"/>
+          </p:cNvPicPr>
+          <p:nvPr/>
+        </p:nvPicPr>
+        <p:blipFill>
+          <a:blip r:embed="rId3"/>
+          <a:stretch>
+            <a:fillRect/>
+          </a:stretch>
+        </p:blipFill>
+        <p:spPr>
+          <a:xfrm>
+            <a:off x="5930555" y="5391151"/>
+            <a:ext cx="1762125" cy="1028700"/>
+          </a:xfrm>
+          <a:prstGeom prst="rect">
+            <a:avLst/>
+          </a:prstGeom>
+        </p:spPr>
+      </p:pic>
+    </p:spTree>
+    <p:extLst>
+      <p:ext uri="{BB962C8B-B14F-4D97-AF65-F5344CB8AC3E}">
+        <p14:creationId xmlns:p14="http://schemas.microsoft.com/office/powerpoint/2010/main" val="3434573934"/>
+      </p:ext>
+    </p:extLst>
+  </p:cSld>
+  <p:clrMapOvr>
+    <a:masterClrMapping/>
+  </p:clrMapOvr>
+</p:sld>
+</file>
+
 <file path=ppt/slides/slide2.xml><?xml version="1.0" encoding="utf-8"?>
 <p:sld xmlns:a="http://schemas.openxmlformats.org/drawingml/2006/main" xmlns:r="http://schemas.openxmlformats.org/officeDocument/2006/relationships" xmlns:p="http://schemas.openxmlformats.org/presentationml/2006/main">
   <p:cSld>

--- a/MongoDB.pptx
+++ b/MongoDB.pptx
@@ -16,6 +16,7 @@
     <p:sldId id="262" r:id="rId10"/>
     <p:sldId id="266" r:id="rId11"/>
     <p:sldId id="267" r:id="rId12"/>
+    <p:sldId id="268" r:id="rId13"/>
   </p:sldIdLst>
   <p:sldSz cx="12192000" cy="6858000"/>
   <p:notesSz cx="6858000" cy="9144000"/>
@@ -3679,7 +3680,7 @@
           <a:p>
             <a:fld id="{96BF6615-5CFE-4B8E-BC20-4A44397F9CDD}" type="datetimeFigureOut">
               <a:rPr lang="en-US" smtClean="0"/>
-              <a:t>9/3/2024</a:t>
+              <a:t>9/9/2024</a:t>
             </a:fld>
             <a:endParaRPr lang="en-US" dirty="0"/>
           </a:p>
@@ -3877,7 +3878,7 @@
           <a:p>
             <a:fld id="{96BF6615-5CFE-4B8E-BC20-4A44397F9CDD}" type="datetimeFigureOut">
               <a:rPr lang="en-US" smtClean="0"/>
-              <a:t>9/3/2024</a:t>
+              <a:t>9/9/2024</a:t>
             </a:fld>
             <a:endParaRPr lang="en-US" dirty="0"/>
           </a:p>
@@ -4085,7 +4086,7 @@
           <a:p>
             <a:fld id="{96BF6615-5CFE-4B8E-BC20-4A44397F9CDD}" type="datetimeFigureOut">
               <a:rPr lang="en-US" smtClean="0"/>
-              <a:t>9/3/2024</a:t>
+              <a:t>9/9/2024</a:t>
             </a:fld>
             <a:endParaRPr lang="en-US" dirty="0"/>
           </a:p>
@@ -4283,7 +4284,7 @@
           <a:p>
             <a:fld id="{96BF6615-5CFE-4B8E-BC20-4A44397F9CDD}" type="datetimeFigureOut">
               <a:rPr lang="en-US" smtClean="0"/>
-              <a:t>9/3/2024</a:t>
+              <a:t>9/9/2024</a:t>
             </a:fld>
             <a:endParaRPr lang="en-US" dirty="0"/>
           </a:p>
@@ -4558,7 +4559,7 @@
           <a:p>
             <a:fld id="{96BF6615-5CFE-4B8E-BC20-4A44397F9CDD}" type="datetimeFigureOut">
               <a:rPr lang="en-US" smtClean="0"/>
-              <a:t>9/3/2024</a:t>
+              <a:t>9/9/2024</a:t>
             </a:fld>
             <a:endParaRPr lang="en-US" dirty="0"/>
           </a:p>
@@ -4823,7 +4824,7 @@
           <a:p>
             <a:fld id="{96BF6615-5CFE-4B8E-BC20-4A44397F9CDD}" type="datetimeFigureOut">
               <a:rPr lang="en-US" smtClean="0"/>
-              <a:t>9/3/2024</a:t>
+              <a:t>9/9/2024</a:t>
             </a:fld>
             <a:endParaRPr lang="en-US" dirty="0"/>
           </a:p>
@@ -5235,7 +5236,7 @@
           <a:p>
             <a:fld id="{96BF6615-5CFE-4B8E-BC20-4A44397F9CDD}" type="datetimeFigureOut">
               <a:rPr lang="en-US" smtClean="0"/>
-              <a:t>9/3/2024</a:t>
+              <a:t>9/9/2024</a:t>
             </a:fld>
             <a:endParaRPr lang="en-US" dirty="0"/>
           </a:p>
@@ -5376,7 +5377,7 @@
           <a:p>
             <a:fld id="{96BF6615-5CFE-4B8E-BC20-4A44397F9CDD}" type="datetimeFigureOut">
               <a:rPr lang="en-US" smtClean="0"/>
-              <a:t>9/3/2024</a:t>
+              <a:t>9/9/2024</a:t>
             </a:fld>
             <a:endParaRPr lang="en-US" dirty="0"/>
           </a:p>
@@ -5489,7 +5490,7 @@
           <a:p>
             <a:fld id="{96BF6615-5CFE-4B8E-BC20-4A44397F9CDD}" type="datetimeFigureOut">
               <a:rPr lang="en-US" smtClean="0"/>
-              <a:t>9/3/2024</a:t>
+              <a:t>9/9/2024</a:t>
             </a:fld>
             <a:endParaRPr lang="en-US" dirty="0"/>
           </a:p>
@@ -5800,7 +5801,7 @@
           <a:p>
             <a:fld id="{96BF6615-5CFE-4B8E-BC20-4A44397F9CDD}" type="datetimeFigureOut">
               <a:rPr lang="en-US" smtClean="0"/>
-              <a:t>9/3/2024</a:t>
+              <a:t>9/9/2024</a:t>
             </a:fld>
             <a:endParaRPr lang="en-US" dirty="0"/>
           </a:p>
@@ -6088,7 +6089,7 @@
           <a:p>
             <a:fld id="{96BF6615-5CFE-4B8E-BC20-4A44397F9CDD}" type="datetimeFigureOut">
               <a:rPr lang="en-US" smtClean="0"/>
-              <a:t>9/3/2024</a:t>
+              <a:t>9/9/2024</a:t>
             </a:fld>
             <a:endParaRPr lang="en-US" dirty="0"/>
           </a:p>
@@ -6329,7 +6330,7 @@
           <a:p>
             <a:fld id="{96BF6615-5CFE-4B8E-BC20-4A44397F9CDD}" type="datetimeFigureOut">
               <a:rPr lang="en-US" smtClean="0"/>
-              <a:t>9/3/2024</a:t>
+              <a:t>9/9/2024</a:t>
             </a:fld>
             <a:endParaRPr lang="en-US" dirty="0"/>
           </a:p>
@@ -7537,6 +7538,135 @@
 </p:sld>
 </file>
 
+<file path=ppt/slides/slide12.xml><?xml version="1.0" encoding="utf-8"?>
+<p:sld xmlns:a="http://schemas.openxmlformats.org/drawingml/2006/main" xmlns:r="http://schemas.openxmlformats.org/officeDocument/2006/relationships" xmlns:p="http://schemas.openxmlformats.org/presentationml/2006/main">
+  <p:cSld>
+    <p:bg>
+      <p:bgPr>
+        <a:solidFill>
+          <a:srgbClr val="040E1A"/>
+        </a:solidFill>
+        <a:effectLst/>
+      </p:bgPr>
+    </p:bg>
+    <p:spTree>
+      <p:nvGrpSpPr>
+        <p:cNvPr id="1" name=""/>
+        <p:cNvGrpSpPr/>
+        <p:nvPr/>
+      </p:nvGrpSpPr>
+      <p:grpSpPr>
+        <a:xfrm>
+          <a:off x="0" y="0"/>
+          <a:ext cx="0" cy="0"/>
+          <a:chOff x="0" y="0"/>
+          <a:chExt cx="0" cy="0"/>
+        </a:xfrm>
+      </p:grpSpPr>
+      <p:sp>
+        <p:nvSpPr>
+          <p:cNvPr id="2" name="Title 1">
+            <a:extLst>
+              <a:ext uri="{FF2B5EF4-FFF2-40B4-BE49-F238E27FC236}">
+                <a16:creationId xmlns:a16="http://schemas.microsoft.com/office/drawing/2014/main" id="{CF10AB08-2AE1-487B-8E88-BEDF82D22428}"/>
+              </a:ext>
+            </a:extLst>
+          </p:cNvPr>
+          <p:cNvSpPr>
+            <a:spLocks noGrp="1"/>
+          </p:cNvSpPr>
+          <p:nvPr>
+            <p:ph type="title"/>
+          </p:nvPr>
+        </p:nvSpPr>
+        <p:spPr/>
+        <p:txBody>
+          <a:bodyPr/>
+          <a:lstStyle/>
+          <a:p>
+            <a:r>
+              <a:rPr lang="en-US" dirty="0">
+                <a:solidFill>
+                  <a:srgbClr val="00B050"/>
+                </a:solidFill>
+              </a:rPr>
+              <a:t>DB</a:t>
+            </a:r>
+            <a:r>
+              <a:rPr lang="en-US">
+                <a:solidFill>
+                  <a:srgbClr val="00B050"/>
+                </a:solidFill>
+              </a:rPr>
+              <a:t>: </a:t>
+            </a:r>
+            <a:r>
+              <a:rPr lang="en-US">
+                <a:solidFill>
+                  <a:schemeClr val="bg1">
+                    <a:lumMod val="95000"/>
+                  </a:schemeClr>
+                </a:solidFill>
+              </a:rPr>
+              <a:t>Data type</a:t>
+            </a:r>
+            <a:endParaRPr lang="en-US" dirty="0">
+              <a:solidFill>
+                <a:schemeClr val="bg1">
+                  <a:lumMod val="95000"/>
+                </a:schemeClr>
+              </a:solidFill>
+            </a:endParaRPr>
+          </a:p>
+        </p:txBody>
+      </p:sp>
+      <p:sp>
+        <p:nvSpPr>
+          <p:cNvPr id="3" name="Content Placeholder 2">
+            <a:extLst>
+              <a:ext uri="{FF2B5EF4-FFF2-40B4-BE49-F238E27FC236}">
+                <a16:creationId xmlns:a16="http://schemas.microsoft.com/office/drawing/2014/main" id="{1E56B40A-B234-4B8B-9AAF-C52FDD440812}"/>
+              </a:ext>
+            </a:extLst>
+          </p:cNvPr>
+          <p:cNvSpPr>
+            <a:spLocks noGrp="1"/>
+          </p:cNvSpPr>
+          <p:nvPr>
+            <p:ph idx="1"/>
+          </p:nvPr>
+        </p:nvSpPr>
+        <p:spPr/>
+        <p:txBody>
+          <a:bodyPr>
+            <a:normAutofit/>
+          </a:bodyPr>
+          <a:lstStyle/>
+          <a:p>
+            <a:pPr marL="0" indent="0">
+              <a:buNone/>
+            </a:pPr>
+            <a:endParaRPr lang="en-US" sz="1600" dirty="0">
+              <a:solidFill>
+                <a:srgbClr val="00B050"/>
+              </a:solidFill>
+            </a:endParaRPr>
+          </a:p>
+        </p:txBody>
+      </p:sp>
+    </p:spTree>
+    <p:extLst>
+      <p:ext uri="{BB962C8B-B14F-4D97-AF65-F5344CB8AC3E}">
+        <p14:creationId xmlns:p14="http://schemas.microsoft.com/office/powerpoint/2010/main" val="4106471187"/>
+      </p:ext>
+    </p:extLst>
+  </p:cSld>
+  <p:clrMapOvr>
+    <a:masterClrMapping/>
+  </p:clrMapOvr>
+</p:sld>
+</file>
+
 <file path=ppt/slides/slide2.xml><?xml version="1.0" encoding="utf-8"?>
 <p:sld xmlns:a="http://schemas.openxmlformats.org/drawingml/2006/main" xmlns:r="http://schemas.openxmlformats.org/officeDocument/2006/relationships" xmlns:p="http://schemas.openxmlformats.org/presentationml/2006/main">
   <p:cSld>

--- a/MongoDB.pptx
+++ b/MongoDB.pptx
@@ -17,6 +17,7 @@
     <p:sldId id="266" r:id="rId11"/>
     <p:sldId id="267" r:id="rId12"/>
     <p:sldId id="268" r:id="rId13"/>
+    <p:sldId id="269" r:id="rId14"/>
   </p:sldIdLst>
   <p:sldSz cx="12192000" cy="6858000"/>
   <p:notesSz cx="6858000" cy="9144000"/>
@@ -3680,7 +3681,7 @@
           <a:p>
             <a:fld id="{96BF6615-5CFE-4B8E-BC20-4A44397F9CDD}" type="datetimeFigureOut">
               <a:rPr lang="en-US" smtClean="0"/>
-              <a:t>9/9/2024</a:t>
+              <a:t>9/17/2024</a:t>
             </a:fld>
             <a:endParaRPr lang="en-US" dirty="0"/>
           </a:p>
@@ -3878,7 +3879,7 @@
           <a:p>
             <a:fld id="{96BF6615-5CFE-4B8E-BC20-4A44397F9CDD}" type="datetimeFigureOut">
               <a:rPr lang="en-US" smtClean="0"/>
-              <a:t>9/9/2024</a:t>
+              <a:t>9/17/2024</a:t>
             </a:fld>
             <a:endParaRPr lang="en-US" dirty="0"/>
           </a:p>
@@ -4086,7 +4087,7 @@
           <a:p>
             <a:fld id="{96BF6615-5CFE-4B8E-BC20-4A44397F9CDD}" type="datetimeFigureOut">
               <a:rPr lang="en-US" smtClean="0"/>
-              <a:t>9/9/2024</a:t>
+              <a:t>9/17/2024</a:t>
             </a:fld>
             <a:endParaRPr lang="en-US" dirty="0"/>
           </a:p>
@@ -4284,7 +4285,7 @@
           <a:p>
             <a:fld id="{96BF6615-5CFE-4B8E-BC20-4A44397F9CDD}" type="datetimeFigureOut">
               <a:rPr lang="en-US" smtClean="0"/>
-              <a:t>9/9/2024</a:t>
+              <a:t>9/17/2024</a:t>
             </a:fld>
             <a:endParaRPr lang="en-US" dirty="0"/>
           </a:p>
@@ -4559,7 +4560,7 @@
           <a:p>
             <a:fld id="{96BF6615-5CFE-4B8E-BC20-4A44397F9CDD}" type="datetimeFigureOut">
               <a:rPr lang="en-US" smtClean="0"/>
-              <a:t>9/9/2024</a:t>
+              <a:t>9/17/2024</a:t>
             </a:fld>
             <a:endParaRPr lang="en-US" dirty="0"/>
           </a:p>
@@ -4824,7 +4825,7 @@
           <a:p>
             <a:fld id="{96BF6615-5CFE-4B8E-BC20-4A44397F9CDD}" type="datetimeFigureOut">
               <a:rPr lang="en-US" smtClean="0"/>
-              <a:t>9/9/2024</a:t>
+              <a:t>9/17/2024</a:t>
             </a:fld>
             <a:endParaRPr lang="en-US" dirty="0"/>
           </a:p>
@@ -5236,7 +5237,7 @@
           <a:p>
             <a:fld id="{96BF6615-5CFE-4B8E-BC20-4A44397F9CDD}" type="datetimeFigureOut">
               <a:rPr lang="en-US" smtClean="0"/>
-              <a:t>9/9/2024</a:t>
+              <a:t>9/17/2024</a:t>
             </a:fld>
             <a:endParaRPr lang="en-US" dirty="0"/>
           </a:p>
@@ -5377,7 +5378,7 @@
           <a:p>
             <a:fld id="{96BF6615-5CFE-4B8E-BC20-4A44397F9CDD}" type="datetimeFigureOut">
               <a:rPr lang="en-US" smtClean="0"/>
-              <a:t>9/9/2024</a:t>
+              <a:t>9/17/2024</a:t>
             </a:fld>
             <a:endParaRPr lang="en-US" dirty="0"/>
           </a:p>
@@ -5490,7 +5491,7 @@
           <a:p>
             <a:fld id="{96BF6615-5CFE-4B8E-BC20-4A44397F9CDD}" type="datetimeFigureOut">
               <a:rPr lang="en-US" smtClean="0"/>
-              <a:t>9/9/2024</a:t>
+              <a:t>9/17/2024</a:t>
             </a:fld>
             <a:endParaRPr lang="en-US" dirty="0"/>
           </a:p>
@@ -5801,7 +5802,7 @@
           <a:p>
             <a:fld id="{96BF6615-5CFE-4B8E-BC20-4A44397F9CDD}" type="datetimeFigureOut">
               <a:rPr lang="en-US" smtClean="0"/>
-              <a:t>9/9/2024</a:t>
+              <a:t>9/17/2024</a:t>
             </a:fld>
             <a:endParaRPr lang="en-US" dirty="0"/>
           </a:p>
@@ -6089,7 +6090,7 @@
           <a:p>
             <a:fld id="{96BF6615-5CFE-4B8E-BC20-4A44397F9CDD}" type="datetimeFigureOut">
               <a:rPr lang="en-US" smtClean="0"/>
-              <a:t>9/9/2024</a:t>
+              <a:t>9/17/2024</a:t>
             </a:fld>
             <a:endParaRPr lang="en-US" dirty="0"/>
           </a:p>
@@ -6330,7 +6331,7 @@
           <a:p>
             <a:fld id="{96BF6615-5CFE-4B8E-BC20-4A44397F9CDD}" type="datetimeFigureOut">
               <a:rPr lang="en-US" smtClean="0"/>
-              <a:t>9/9/2024</a:t>
+              <a:t>9/17/2024</a:t>
             </a:fld>
             <a:endParaRPr lang="en-US" dirty="0"/>
           </a:p>
@@ -7590,33 +7591,18 @@
                   <a:srgbClr val="00B050"/>
                 </a:solidFill>
               </a:rPr>
-              <a:t>DB</a:t>
-            </a:r>
-            <a:r>
-              <a:rPr lang="en-US">
-                <a:solidFill>
-                  <a:srgbClr val="00B050"/>
-                </a:solidFill>
-              </a:rPr>
-              <a:t>: </a:t>
-            </a:r>
-            <a:r>
-              <a:rPr lang="en-US">
+              <a:t>DB: </a:t>
+            </a:r>
+            <a:r>
+              <a:rPr lang="en-US" dirty="0">
                 <a:solidFill>
                   <a:schemeClr val="bg1">
                     <a:lumMod val="95000"/>
                   </a:schemeClr>
                 </a:solidFill>
               </a:rPr>
-              <a:t>Data type</a:t>
-            </a:r>
-            <a:endParaRPr lang="en-US" dirty="0">
-              <a:solidFill>
-                <a:schemeClr val="bg1">
-                  <a:lumMod val="95000"/>
-                </a:schemeClr>
-              </a:solidFill>
-            </a:endParaRPr>
+              <a:t>Validation Schema</a:t>
+            </a:r>
           </a:p>
         </p:txBody>
       </p:sp>
@@ -7636,21 +7622,557 @@
             <p:ph idx="1"/>
           </p:nvPr>
         </p:nvSpPr>
-        <p:spPr/>
+        <p:spPr>
+          <a:xfrm>
+            <a:off x="838200" y="1510748"/>
+            <a:ext cx="10515600" cy="5141843"/>
+          </a:xfrm>
+        </p:spPr>
         <p:txBody>
           <a:bodyPr>
-            <a:normAutofit/>
+            <a:normAutofit fontScale="92500" lnSpcReduction="10000"/>
           </a:bodyPr>
           <a:lstStyle/>
           <a:p>
             <a:pPr marL="0" indent="0">
               <a:buNone/>
             </a:pPr>
-            <a:endParaRPr lang="en-US" sz="1600" dirty="0">
+            <a:r>
+              <a:rPr lang="en-US" sz="1400" b="0" dirty="0" err="1">
+                <a:solidFill>
+                  <a:srgbClr val="F8F8F2"/>
+                </a:solidFill>
+                <a:effectLst/>
+                <a:latin typeface="Consolas" panose="020B0609020204030204" pitchFamily="49" charset="0"/>
+              </a:rPr>
+              <a:t>db.</a:t>
+            </a:r>
+            <a:r>
+              <a:rPr lang="en-US" sz="1400" b="0" dirty="0" err="1">
+                <a:solidFill>
+                  <a:srgbClr val="A6E22E"/>
+                </a:solidFill>
+                <a:effectLst/>
+                <a:latin typeface="Consolas" panose="020B0609020204030204" pitchFamily="49" charset="0"/>
+              </a:rPr>
+              <a:t>createCollection</a:t>
+            </a:r>
+            <a:r>
+              <a:rPr lang="en-US" sz="1400" b="0" dirty="0">
+                <a:solidFill>
+                  <a:srgbClr val="F8F8F2"/>
+                </a:solidFill>
+                <a:effectLst/>
+                <a:latin typeface="Consolas" panose="020B0609020204030204" pitchFamily="49" charset="0"/>
+              </a:rPr>
+              <a:t>(</a:t>
+            </a:r>
+            <a:r>
+              <a:rPr lang="en-US" sz="1400" b="0" dirty="0">
+                <a:solidFill>
+                  <a:srgbClr val="E6DB74"/>
+                </a:solidFill>
+                <a:effectLst/>
+                <a:latin typeface="Consolas" panose="020B0609020204030204" pitchFamily="49" charset="0"/>
+              </a:rPr>
+              <a:t>'</a:t>
+            </a:r>
+            <a:r>
+              <a:rPr lang="en-US" sz="1400" b="0" dirty="0" err="1">
+                <a:solidFill>
+                  <a:srgbClr val="E6DB74"/>
+                </a:solidFill>
+                <a:effectLst/>
+                <a:latin typeface="Consolas" panose="020B0609020204030204" pitchFamily="49" charset="0"/>
+              </a:rPr>
+              <a:t>nobel</a:t>
+            </a:r>
+            <a:r>
+              <a:rPr lang="en-US" sz="1400" b="0" dirty="0">
+                <a:solidFill>
+                  <a:srgbClr val="E6DB74"/>
+                </a:solidFill>
+                <a:effectLst/>
+                <a:latin typeface="Consolas" panose="020B0609020204030204" pitchFamily="49" charset="0"/>
+              </a:rPr>
+              <a:t>'</a:t>
+            </a:r>
+            <a:r>
+              <a:rPr lang="en-US" sz="1400" b="0" dirty="0">
+                <a:solidFill>
+                  <a:srgbClr val="F8F8F2"/>
+                </a:solidFill>
+                <a:effectLst/>
+                <a:latin typeface="Consolas" panose="020B0609020204030204" pitchFamily="49" charset="0"/>
+              </a:rPr>
+              <a:t>, {</a:t>
+            </a:r>
+          </a:p>
+          <a:p>
+            <a:pPr marL="0" indent="0">
+              <a:buNone/>
+            </a:pPr>
+            <a:r>
+              <a:rPr lang="en-US" sz="1400" b="0" dirty="0">
+                <a:solidFill>
+                  <a:srgbClr val="F8F8F2"/>
+                </a:solidFill>
+                <a:effectLst/>
+                <a:latin typeface="Consolas" panose="020B0609020204030204" pitchFamily="49" charset="0"/>
+              </a:rPr>
+              <a:t>    validator:{</a:t>
+            </a:r>
+          </a:p>
+          <a:p>
+            <a:pPr marL="0" indent="0">
+              <a:buNone/>
+            </a:pPr>
+            <a:r>
+              <a:rPr lang="en-US" sz="1400" b="0" dirty="0">
+                <a:solidFill>
+                  <a:srgbClr val="F8F8F2"/>
+                </a:solidFill>
+                <a:effectLst/>
+                <a:latin typeface="Consolas" panose="020B0609020204030204" pitchFamily="49" charset="0"/>
+              </a:rPr>
+              <a:t>        $</a:t>
+            </a:r>
+            <a:r>
+              <a:rPr lang="en-US" sz="1400" b="0" dirty="0" err="1">
+                <a:solidFill>
+                  <a:srgbClr val="F8F8F2"/>
+                </a:solidFill>
+                <a:effectLst/>
+                <a:latin typeface="Consolas" panose="020B0609020204030204" pitchFamily="49" charset="0"/>
+              </a:rPr>
+              <a:t>jsonSchema</a:t>
+            </a:r>
+            <a:r>
+              <a:rPr lang="en-US" sz="1400" b="0" dirty="0">
+                <a:solidFill>
+                  <a:srgbClr val="F8F8F2"/>
+                </a:solidFill>
+                <a:effectLst/>
+                <a:latin typeface="Consolas" panose="020B0609020204030204" pitchFamily="49" charset="0"/>
+              </a:rPr>
+              <a:t>: {</a:t>
+            </a:r>
+          </a:p>
+          <a:p>
+            <a:pPr marL="0" indent="0">
+              <a:buNone/>
+            </a:pPr>
+            <a:r>
+              <a:rPr lang="en-US" sz="1400" b="0" dirty="0">
+                <a:solidFill>
+                  <a:srgbClr val="F8F8F2"/>
+                </a:solidFill>
+                <a:effectLst/>
+                <a:latin typeface="Consolas" panose="020B0609020204030204" pitchFamily="49" charset="0"/>
+              </a:rPr>
+              <a:t>            required: [</a:t>
+            </a:r>
+            <a:r>
+              <a:rPr lang="en-US" sz="1400" b="0" dirty="0">
+                <a:solidFill>
+                  <a:srgbClr val="E6DB74"/>
+                </a:solidFill>
+                <a:effectLst/>
+                <a:latin typeface="Consolas" panose="020B0609020204030204" pitchFamily="49" charset="0"/>
+              </a:rPr>
+              <a:t>'name'</a:t>
+            </a:r>
+            <a:r>
+              <a:rPr lang="en-US" sz="1400" b="0" dirty="0">
+                <a:solidFill>
+                  <a:srgbClr val="F8F8F2"/>
+                </a:solidFill>
+                <a:effectLst/>
+                <a:latin typeface="Consolas" panose="020B0609020204030204" pitchFamily="49" charset="0"/>
+              </a:rPr>
+              <a:t>, </a:t>
+            </a:r>
+            <a:r>
+              <a:rPr lang="en-US" sz="1400" b="0" dirty="0">
+                <a:solidFill>
+                  <a:srgbClr val="E6DB74"/>
+                </a:solidFill>
+                <a:effectLst/>
+                <a:latin typeface="Consolas" panose="020B0609020204030204" pitchFamily="49" charset="0"/>
+              </a:rPr>
+              <a:t>'price'</a:t>
+            </a:r>
+            <a:r>
+              <a:rPr lang="en-US" sz="1400" b="0" dirty="0">
+                <a:solidFill>
+                  <a:srgbClr val="F8F8F2"/>
+                </a:solidFill>
+                <a:effectLst/>
+                <a:latin typeface="Consolas" panose="020B0609020204030204" pitchFamily="49" charset="0"/>
+              </a:rPr>
+              <a:t>],</a:t>
+            </a:r>
+          </a:p>
+          <a:p>
+            <a:pPr marL="0" indent="0">
+              <a:buNone/>
+            </a:pPr>
+            <a:r>
+              <a:rPr lang="en-US" sz="1400" b="0" dirty="0">
+                <a:solidFill>
+                  <a:srgbClr val="F8F8F2"/>
+                </a:solidFill>
+                <a:effectLst/>
+                <a:latin typeface="Consolas" panose="020B0609020204030204" pitchFamily="49" charset="0"/>
+              </a:rPr>
+              <a:t>            properties:{</a:t>
+            </a:r>
+          </a:p>
+          <a:p>
+            <a:pPr marL="0" indent="0">
+              <a:buNone/>
+            </a:pPr>
+            <a:r>
+              <a:rPr lang="en-US" sz="1400" b="0" dirty="0">
+                <a:solidFill>
+                  <a:srgbClr val="F8F8F2"/>
+                </a:solidFill>
+                <a:effectLst/>
+                <a:latin typeface="Consolas" panose="020B0609020204030204" pitchFamily="49" charset="0"/>
+              </a:rPr>
+              <a:t>                name:{</a:t>
+            </a:r>
+          </a:p>
+          <a:p>
+            <a:pPr marL="0" indent="0">
+              <a:buNone/>
+            </a:pPr>
+            <a:r>
+              <a:rPr lang="en-US" sz="1400" b="0" dirty="0">
+                <a:solidFill>
+                  <a:srgbClr val="F8F8F2"/>
+                </a:solidFill>
+                <a:effectLst/>
+                <a:latin typeface="Consolas" panose="020B0609020204030204" pitchFamily="49" charset="0"/>
+              </a:rPr>
+              <a:t>                    </a:t>
+            </a:r>
+            <a:r>
+              <a:rPr lang="en-US" sz="1400" b="0" dirty="0" err="1">
+                <a:solidFill>
+                  <a:srgbClr val="F8F8F2"/>
+                </a:solidFill>
+                <a:effectLst/>
+                <a:latin typeface="Consolas" panose="020B0609020204030204" pitchFamily="49" charset="0"/>
+              </a:rPr>
+              <a:t>bsonType</a:t>
+            </a:r>
+            <a:r>
+              <a:rPr lang="en-US" sz="1400" b="0" dirty="0">
+                <a:solidFill>
+                  <a:srgbClr val="F8F8F2"/>
+                </a:solidFill>
+                <a:effectLst/>
+                <a:latin typeface="Consolas" panose="020B0609020204030204" pitchFamily="49" charset="0"/>
+              </a:rPr>
+              <a:t>: </a:t>
+            </a:r>
+            <a:r>
+              <a:rPr lang="en-US" sz="1400" b="0" dirty="0">
+                <a:solidFill>
+                  <a:srgbClr val="E6DB74"/>
+                </a:solidFill>
+                <a:effectLst/>
+                <a:latin typeface="Consolas" panose="020B0609020204030204" pitchFamily="49" charset="0"/>
+              </a:rPr>
+              <a:t>'string'</a:t>
+            </a:r>
+            <a:r>
+              <a:rPr lang="en-US" sz="1400" b="0" dirty="0">
+                <a:solidFill>
+                  <a:srgbClr val="F8F8F2"/>
+                </a:solidFill>
+                <a:effectLst/>
+                <a:latin typeface="Consolas" panose="020B0609020204030204" pitchFamily="49" charset="0"/>
+              </a:rPr>
+              <a:t>,</a:t>
+            </a:r>
+          </a:p>
+          <a:p>
+            <a:pPr marL="0" indent="0">
+              <a:buNone/>
+            </a:pPr>
+            <a:r>
+              <a:rPr lang="en-US" sz="1400" b="0" dirty="0">
+                <a:solidFill>
+                  <a:srgbClr val="F8F8F2"/>
+                </a:solidFill>
+                <a:effectLst/>
+                <a:latin typeface="Consolas" panose="020B0609020204030204" pitchFamily="49" charset="0"/>
+              </a:rPr>
+              <a:t>                    description: </a:t>
+            </a:r>
+            <a:r>
+              <a:rPr lang="en-US" sz="1400" b="0" dirty="0">
+                <a:solidFill>
+                  <a:srgbClr val="E6DB74"/>
+                </a:solidFill>
+                <a:effectLst/>
+                <a:latin typeface="Consolas" panose="020B0609020204030204" pitchFamily="49" charset="0"/>
+              </a:rPr>
+              <a:t>'must be string and required'</a:t>
+            </a:r>
+            <a:endParaRPr lang="en-US" sz="1400" b="0" dirty="0">
               <a:solidFill>
-                <a:srgbClr val="00B050"/>
+                <a:srgbClr val="F8F8F2"/>
               </a:solidFill>
+              <a:effectLst/>
+              <a:latin typeface="Consolas" panose="020B0609020204030204" pitchFamily="49" charset="0"/>
             </a:endParaRPr>
+          </a:p>
+          <a:p>
+            <a:pPr marL="0" indent="0">
+              <a:buNone/>
+            </a:pPr>
+            <a:r>
+              <a:rPr lang="en-US" sz="1400" b="0" dirty="0">
+                <a:solidFill>
+                  <a:srgbClr val="F8F8F2"/>
+                </a:solidFill>
+                <a:effectLst/>
+                <a:latin typeface="Consolas" panose="020B0609020204030204" pitchFamily="49" charset="0"/>
+              </a:rPr>
+              <a:t>                },</a:t>
+            </a:r>
+          </a:p>
+          <a:p>
+            <a:pPr marL="0" indent="0">
+              <a:buNone/>
+            </a:pPr>
+            <a:r>
+              <a:rPr lang="en-US" sz="1400" b="0" dirty="0">
+                <a:solidFill>
+                  <a:srgbClr val="F8F8F2"/>
+                </a:solidFill>
+                <a:effectLst/>
+                <a:latin typeface="Consolas" panose="020B0609020204030204" pitchFamily="49" charset="0"/>
+              </a:rPr>
+              <a:t>                price:{</a:t>
+            </a:r>
+          </a:p>
+          <a:p>
+            <a:pPr marL="0" indent="0">
+              <a:buNone/>
+            </a:pPr>
+            <a:r>
+              <a:rPr lang="en-US" sz="1400" b="0" dirty="0">
+                <a:solidFill>
+                  <a:srgbClr val="F8F8F2"/>
+                </a:solidFill>
+                <a:effectLst/>
+                <a:latin typeface="Consolas" panose="020B0609020204030204" pitchFamily="49" charset="0"/>
+              </a:rPr>
+              <a:t>                    </a:t>
+            </a:r>
+            <a:r>
+              <a:rPr lang="en-US" sz="1400" b="0" dirty="0" err="1">
+                <a:solidFill>
+                  <a:srgbClr val="F8F8F2"/>
+                </a:solidFill>
+                <a:effectLst/>
+                <a:latin typeface="Consolas" panose="020B0609020204030204" pitchFamily="49" charset="0"/>
+              </a:rPr>
+              <a:t>bsonType</a:t>
+            </a:r>
+            <a:r>
+              <a:rPr lang="en-US" sz="1400" b="0" dirty="0">
+                <a:solidFill>
+                  <a:srgbClr val="F8F8F2"/>
+                </a:solidFill>
+                <a:effectLst/>
+                <a:latin typeface="Consolas" panose="020B0609020204030204" pitchFamily="49" charset="0"/>
+              </a:rPr>
+              <a:t>: </a:t>
+            </a:r>
+            <a:r>
+              <a:rPr lang="en-US" sz="1400" b="0" dirty="0">
+                <a:solidFill>
+                  <a:srgbClr val="E6DB74"/>
+                </a:solidFill>
+                <a:effectLst/>
+                <a:latin typeface="Consolas" panose="020B0609020204030204" pitchFamily="49" charset="0"/>
+              </a:rPr>
+              <a:t>'number'</a:t>
+            </a:r>
+            <a:r>
+              <a:rPr lang="en-US" sz="1400" b="0" dirty="0">
+                <a:solidFill>
+                  <a:srgbClr val="F8F8F2"/>
+                </a:solidFill>
+                <a:effectLst/>
+                <a:latin typeface="Consolas" panose="020B0609020204030204" pitchFamily="49" charset="0"/>
+              </a:rPr>
+              <a:t>,</a:t>
+            </a:r>
+          </a:p>
+          <a:p>
+            <a:pPr marL="0" indent="0">
+              <a:buNone/>
+            </a:pPr>
+            <a:r>
+              <a:rPr lang="en-US" sz="1400" b="0" dirty="0">
+                <a:solidFill>
+                  <a:srgbClr val="F8F8F2"/>
+                </a:solidFill>
+                <a:effectLst/>
+                <a:latin typeface="Consolas" panose="020B0609020204030204" pitchFamily="49" charset="0"/>
+              </a:rPr>
+              <a:t>                    description: </a:t>
+            </a:r>
+            <a:r>
+              <a:rPr lang="en-US" sz="1400" b="0" dirty="0">
+                <a:solidFill>
+                  <a:srgbClr val="E6DB74"/>
+                </a:solidFill>
+                <a:effectLst/>
+                <a:latin typeface="Consolas" panose="020B0609020204030204" pitchFamily="49" charset="0"/>
+              </a:rPr>
+              <a:t>'must be number and required'</a:t>
+            </a:r>
+            <a:endParaRPr lang="en-US" sz="1400" b="0" dirty="0">
+              <a:solidFill>
+                <a:srgbClr val="F8F8F2"/>
+              </a:solidFill>
+              <a:effectLst/>
+              <a:latin typeface="Consolas" panose="020B0609020204030204" pitchFamily="49" charset="0"/>
+            </a:endParaRPr>
+          </a:p>
+          <a:p>
+            <a:pPr marL="0" indent="0">
+              <a:buNone/>
+            </a:pPr>
+            <a:r>
+              <a:rPr lang="en-US" sz="1400" b="0" dirty="0">
+                <a:solidFill>
+                  <a:srgbClr val="F8F8F2"/>
+                </a:solidFill>
+                <a:effectLst/>
+                <a:latin typeface="Consolas" panose="020B0609020204030204" pitchFamily="49" charset="0"/>
+              </a:rPr>
+              <a:t>                }</a:t>
+            </a:r>
+          </a:p>
+          <a:p>
+            <a:pPr marL="0" indent="0">
+              <a:buNone/>
+            </a:pPr>
+            <a:r>
+              <a:rPr lang="en-US" sz="1400" b="0" dirty="0">
+                <a:solidFill>
+                  <a:srgbClr val="F8F8F2"/>
+                </a:solidFill>
+                <a:effectLst/>
+                <a:latin typeface="Consolas" panose="020B0609020204030204" pitchFamily="49" charset="0"/>
+              </a:rPr>
+              <a:t>            }</a:t>
+            </a:r>
+          </a:p>
+          <a:p>
+            <a:pPr marL="0" indent="0">
+              <a:buNone/>
+            </a:pPr>
+            <a:r>
+              <a:rPr lang="en-US" sz="1400" b="0" dirty="0">
+                <a:solidFill>
+                  <a:srgbClr val="F8F8F2"/>
+                </a:solidFill>
+                <a:effectLst/>
+                <a:latin typeface="Consolas" panose="020B0609020204030204" pitchFamily="49" charset="0"/>
+              </a:rPr>
+              <a:t>        }</a:t>
+            </a:r>
+          </a:p>
+          <a:p>
+            <a:pPr marL="0" indent="0">
+              <a:buNone/>
+            </a:pPr>
+            <a:r>
+              <a:rPr lang="en-US" sz="1400" b="0" dirty="0">
+                <a:solidFill>
+                  <a:srgbClr val="F8F8F2"/>
+                </a:solidFill>
+                <a:effectLst/>
+                <a:latin typeface="Consolas" panose="020B0609020204030204" pitchFamily="49" charset="0"/>
+              </a:rPr>
+              <a:t>    },</a:t>
+            </a:r>
+          </a:p>
+          <a:p>
+            <a:pPr marL="0" indent="0">
+              <a:buNone/>
+            </a:pPr>
+            <a:r>
+              <a:rPr lang="en-US" sz="1400" b="0" dirty="0">
+                <a:solidFill>
+                  <a:srgbClr val="F8F8F2"/>
+                </a:solidFill>
+                <a:effectLst/>
+                <a:latin typeface="Consolas" panose="020B0609020204030204" pitchFamily="49" charset="0"/>
+              </a:rPr>
+              <a:t>    </a:t>
+            </a:r>
+            <a:r>
+              <a:rPr lang="en-US" sz="1400" b="0" dirty="0" err="1">
+                <a:solidFill>
+                  <a:srgbClr val="F8F8F2"/>
+                </a:solidFill>
+                <a:effectLst/>
+                <a:latin typeface="Consolas" panose="020B0609020204030204" pitchFamily="49" charset="0"/>
+              </a:rPr>
+              <a:t>validationAction</a:t>
+            </a:r>
+            <a:r>
+              <a:rPr lang="en-US" sz="1400" b="0" dirty="0">
+                <a:solidFill>
+                  <a:srgbClr val="F8F8F2"/>
+                </a:solidFill>
+                <a:effectLst/>
+                <a:latin typeface="Consolas" panose="020B0609020204030204" pitchFamily="49" charset="0"/>
+              </a:rPr>
+              <a:t>: </a:t>
+            </a:r>
+            <a:r>
+              <a:rPr lang="en-US" sz="1400" b="0" dirty="0">
+                <a:solidFill>
+                  <a:srgbClr val="E6DB74"/>
+                </a:solidFill>
+                <a:effectLst/>
+                <a:latin typeface="Consolas" panose="020B0609020204030204" pitchFamily="49" charset="0"/>
+              </a:rPr>
+              <a:t>'error'</a:t>
+            </a:r>
+            <a:endParaRPr lang="en-US" sz="1400" b="0" dirty="0">
+              <a:solidFill>
+                <a:srgbClr val="F8F8F2"/>
+              </a:solidFill>
+              <a:effectLst/>
+              <a:latin typeface="Consolas" panose="020B0609020204030204" pitchFamily="49" charset="0"/>
+            </a:endParaRPr>
+          </a:p>
+          <a:p>
+            <a:pPr marL="0" indent="0">
+              <a:buNone/>
+            </a:pPr>
+            <a:r>
+              <a:rPr lang="en-US" sz="1400" b="0" dirty="0">
+                <a:solidFill>
+                  <a:srgbClr val="F8F8F2"/>
+                </a:solidFill>
+                <a:effectLst/>
+                <a:latin typeface="Consolas" panose="020B0609020204030204" pitchFamily="49" charset="0"/>
+              </a:rPr>
+              <a:t>})</a:t>
+            </a:r>
           </a:p>
         </p:txBody>
       </p:sp>
@@ -7658,6 +8180,1379 @@
     <p:extLst>
       <p:ext uri="{BB962C8B-B14F-4D97-AF65-F5344CB8AC3E}">
         <p14:creationId xmlns:p14="http://schemas.microsoft.com/office/powerpoint/2010/main" val="4106471187"/>
+      </p:ext>
+    </p:extLst>
+  </p:cSld>
+  <p:clrMapOvr>
+    <a:masterClrMapping/>
+  </p:clrMapOvr>
+</p:sld>
+</file>
+
+<file path=ppt/slides/slide13.xml><?xml version="1.0" encoding="utf-8"?>
+<p:sld xmlns:a="http://schemas.openxmlformats.org/drawingml/2006/main" xmlns:r="http://schemas.openxmlformats.org/officeDocument/2006/relationships" xmlns:p="http://schemas.openxmlformats.org/presentationml/2006/main">
+  <p:cSld>
+    <p:bg>
+      <p:bgPr>
+        <a:solidFill>
+          <a:srgbClr val="040E1A"/>
+        </a:solidFill>
+        <a:effectLst/>
+      </p:bgPr>
+    </p:bg>
+    <p:spTree>
+      <p:nvGrpSpPr>
+        <p:cNvPr id="1" name=""/>
+        <p:cNvGrpSpPr/>
+        <p:nvPr/>
+      </p:nvGrpSpPr>
+      <p:grpSpPr>
+        <a:xfrm>
+          <a:off x="0" y="0"/>
+          <a:ext cx="0" cy="0"/>
+          <a:chOff x="0" y="0"/>
+          <a:chExt cx="0" cy="0"/>
+        </a:xfrm>
+      </p:grpSpPr>
+      <p:sp>
+        <p:nvSpPr>
+          <p:cNvPr id="2" name="Title 1">
+            <a:extLst>
+              <a:ext uri="{FF2B5EF4-FFF2-40B4-BE49-F238E27FC236}">
+                <a16:creationId xmlns:a16="http://schemas.microsoft.com/office/drawing/2014/main" id="{CF10AB08-2AE1-487B-8E88-BEDF82D22428}"/>
+              </a:ext>
+            </a:extLst>
+          </p:cNvPr>
+          <p:cNvSpPr>
+            <a:spLocks noGrp="1"/>
+          </p:cNvSpPr>
+          <p:nvPr>
+            <p:ph type="title"/>
+          </p:nvPr>
+        </p:nvSpPr>
+        <p:spPr/>
+        <p:txBody>
+          <a:bodyPr/>
+          <a:lstStyle/>
+          <a:p>
+            <a:r>
+              <a:rPr lang="en-US" dirty="0">
+                <a:solidFill>
+                  <a:srgbClr val="00B050"/>
+                </a:solidFill>
+              </a:rPr>
+              <a:t>DB: </a:t>
+            </a:r>
+            <a:r>
+              <a:rPr lang="en-US" dirty="0">
+                <a:solidFill>
+                  <a:schemeClr val="bg1">
+                    <a:lumMod val="95000"/>
+                  </a:schemeClr>
+                </a:solidFill>
+              </a:rPr>
+              <a:t>Update Schema validation</a:t>
+            </a:r>
+          </a:p>
+        </p:txBody>
+      </p:sp>
+      <p:sp>
+        <p:nvSpPr>
+          <p:cNvPr id="3" name="Content Placeholder 2">
+            <a:extLst>
+              <a:ext uri="{FF2B5EF4-FFF2-40B4-BE49-F238E27FC236}">
+                <a16:creationId xmlns:a16="http://schemas.microsoft.com/office/drawing/2014/main" id="{1E56B40A-B234-4B8B-9AAF-C52FDD440812}"/>
+              </a:ext>
+            </a:extLst>
+          </p:cNvPr>
+          <p:cNvSpPr>
+            <a:spLocks noGrp="1"/>
+          </p:cNvSpPr>
+          <p:nvPr>
+            <p:ph idx="1"/>
+          </p:nvPr>
+        </p:nvSpPr>
+        <p:spPr>
+          <a:xfrm>
+            <a:off x="204717" y="1483993"/>
+            <a:ext cx="5891284" cy="5043987"/>
+          </a:xfrm>
+          <a:ln>
+            <a:solidFill>
+              <a:schemeClr val="accent1"/>
+            </a:solidFill>
+          </a:ln>
+        </p:spPr>
+        <p:txBody>
+          <a:bodyPr>
+            <a:normAutofit/>
+          </a:bodyPr>
+          <a:lstStyle/>
+          <a:p>
+            <a:pPr marL="0" indent="0">
+              <a:buNone/>
+            </a:pPr>
+            <a:r>
+              <a:rPr lang="en-US" sz="1050" b="0" dirty="0" err="1">
+                <a:solidFill>
+                  <a:srgbClr val="F8F8F2"/>
+                </a:solidFill>
+                <a:effectLst/>
+                <a:latin typeface="Consolas" panose="020B0609020204030204" pitchFamily="49" charset="0"/>
+              </a:rPr>
+              <a:t>db.</a:t>
+            </a:r>
+            <a:r>
+              <a:rPr lang="en-US" sz="1300" b="0" dirty="0" err="1">
+                <a:solidFill>
+                  <a:srgbClr val="A6E22E"/>
+                </a:solidFill>
+                <a:effectLst/>
+                <a:latin typeface="Consolas" panose="020B0609020204030204" pitchFamily="49" charset="0"/>
+              </a:rPr>
+              <a:t>runCommand</a:t>
+            </a:r>
+            <a:r>
+              <a:rPr lang="en-US" sz="1300" b="0" dirty="0">
+                <a:solidFill>
+                  <a:srgbClr val="F8F8F2"/>
+                </a:solidFill>
+                <a:effectLst/>
+                <a:latin typeface="Consolas" panose="020B0609020204030204" pitchFamily="49" charset="0"/>
+              </a:rPr>
+              <a:t>({</a:t>
+            </a:r>
+          </a:p>
+          <a:p>
+            <a:pPr marL="0" indent="0">
+              <a:buNone/>
+            </a:pPr>
+            <a:r>
+              <a:rPr lang="en-US" sz="1300" b="0" dirty="0">
+                <a:solidFill>
+                  <a:srgbClr val="F8F8F2"/>
+                </a:solidFill>
+                <a:effectLst/>
+                <a:latin typeface="Consolas" panose="020B0609020204030204" pitchFamily="49" charset="0"/>
+              </a:rPr>
+              <a:t>    </a:t>
+            </a:r>
+            <a:r>
+              <a:rPr lang="en-US" sz="1300" b="0" dirty="0" err="1">
+                <a:solidFill>
+                  <a:srgbClr val="F8F8F2"/>
+                </a:solidFill>
+                <a:effectLst/>
+                <a:latin typeface="Consolas" panose="020B0609020204030204" pitchFamily="49" charset="0"/>
+              </a:rPr>
+              <a:t>collMod</a:t>
+            </a:r>
+            <a:r>
+              <a:rPr lang="en-US" sz="1300" b="0" dirty="0">
+                <a:solidFill>
+                  <a:srgbClr val="F8F8F2"/>
+                </a:solidFill>
+                <a:effectLst/>
+                <a:latin typeface="Consolas" panose="020B0609020204030204" pitchFamily="49" charset="0"/>
+              </a:rPr>
+              <a:t>: </a:t>
+            </a:r>
+            <a:r>
+              <a:rPr lang="en-US" sz="1300" b="0" dirty="0">
+                <a:solidFill>
+                  <a:srgbClr val="E6DB74"/>
+                </a:solidFill>
+                <a:effectLst/>
+                <a:latin typeface="Consolas" panose="020B0609020204030204" pitchFamily="49" charset="0"/>
+              </a:rPr>
+              <a:t>'</a:t>
+            </a:r>
+            <a:r>
+              <a:rPr lang="en-US" sz="1300" b="0" dirty="0" err="1">
+                <a:solidFill>
+                  <a:srgbClr val="E6DB74"/>
+                </a:solidFill>
+                <a:effectLst/>
+                <a:latin typeface="Consolas" panose="020B0609020204030204" pitchFamily="49" charset="0"/>
+              </a:rPr>
+              <a:t>nobel</a:t>
+            </a:r>
+            <a:r>
+              <a:rPr lang="en-US" sz="1300" b="0" dirty="0">
+                <a:solidFill>
+                  <a:srgbClr val="E6DB74"/>
+                </a:solidFill>
+                <a:effectLst/>
+                <a:latin typeface="Consolas" panose="020B0609020204030204" pitchFamily="49" charset="0"/>
+              </a:rPr>
+              <a:t>'</a:t>
+            </a:r>
+            <a:r>
+              <a:rPr lang="en-US" sz="1300" b="0" dirty="0">
+                <a:solidFill>
+                  <a:srgbClr val="F8F8F2"/>
+                </a:solidFill>
+                <a:effectLst/>
+                <a:latin typeface="Consolas" panose="020B0609020204030204" pitchFamily="49" charset="0"/>
+              </a:rPr>
+              <a:t>,</a:t>
+            </a:r>
+          </a:p>
+          <a:p>
+            <a:pPr marL="0" indent="0">
+              <a:buNone/>
+            </a:pPr>
+            <a:r>
+              <a:rPr lang="en-US" sz="1300" b="0" dirty="0">
+                <a:solidFill>
+                  <a:srgbClr val="F8F8F2"/>
+                </a:solidFill>
+                <a:effectLst/>
+                <a:latin typeface="Consolas" panose="020B0609020204030204" pitchFamily="49" charset="0"/>
+              </a:rPr>
+              <a:t>    validator:{</a:t>
+            </a:r>
+          </a:p>
+          <a:p>
+            <a:pPr marL="0" indent="0">
+              <a:buNone/>
+            </a:pPr>
+            <a:r>
+              <a:rPr lang="en-US" sz="1300" b="0" dirty="0">
+                <a:solidFill>
+                  <a:srgbClr val="F8F8F2"/>
+                </a:solidFill>
+                <a:effectLst/>
+                <a:latin typeface="Consolas" panose="020B0609020204030204" pitchFamily="49" charset="0"/>
+              </a:rPr>
+              <a:t>        $</a:t>
+            </a:r>
+            <a:r>
+              <a:rPr lang="en-US" sz="1300" b="0" dirty="0" err="1">
+                <a:solidFill>
+                  <a:srgbClr val="F8F8F2"/>
+                </a:solidFill>
+                <a:effectLst/>
+                <a:latin typeface="Consolas" panose="020B0609020204030204" pitchFamily="49" charset="0"/>
+              </a:rPr>
+              <a:t>jsonSchema</a:t>
+            </a:r>
+            <a:r>
+              <a:rPr lang="en-US" sz="1300" b="0" dirty="0">
+                <a:solidFill>
+                  <a:srgbClr val="F8F8F2"/>
+                </a:solidFill>
+                <a:effectLst/>
+                <a:latin typeface="Consolas" panose="020B0609020204030204" pitchFamily="49" charset="0"/>
+              </a:rPr>
+              <a:t>:{</a:t>
+            </a:r>
+          </a:p>
+          <a:p>
+            <a:pPr marL="0" indent="0">
+              <a:buNone/>
+            </a:pPr>
+            <a:r>
+              <a:rPr lang="en-US" sz="1300" b="0" dirty="0">
+                <a:solidFill>
+                  <a:srgbClr val="F8F8F2"/>
+                </a:solidFill>
+                <a:effectLst/>
+                <a:latin typeface="Consolas" panose="020B0609020204030204" pitchFamily="49" charset="0"/>
+              </a:rPr>
+              <a:t>            required: [</a:t>
+            </a:r>
+            <a:r>
+              <a:rPr lang="en-US" sz="1300" b="0" dirty="0">
+                <a:solidFill>
+                  <a:srgbClr val="E6DB74"/>
+                </a:solidFill>
+                <a:effectLst/>
+                <a:latin typeface="Consolas" panose="020B0609020204030204" pitchFamily="49" charset="0"/>
+              </a:rPr>
+              <a:t>'name'</a:t>
+            </a:r>
+            <a:r>
+              <a:rPr lang="en-US" sz="1300" b="0" dirty="0">
+                <a:solidFill>
+                  <a:srgbClr val="F8F8F2"/>
+                </a:solidFill>
+                <a:effectLst/>
+                <a:latin typeface="Consolas" panose="020B0609020204030204" pitchFamily="49" charset="0"/>
+              </a:rPr>
+              <a:t>, </a:t>
+            </a:r>
+            <a:r>
+              <a:rPr lang="en-US" sz="1300" b="0" dirty="0">
+                <a:solidFill>
+                  <a:srgbClr val="E6DB74"/>
+                </a:solidFill>
+                <a:effectLst/>
+                <a:latin typeface="Consolas" panose="020B0609020204030204" pitchFamily="49" charset="0"/>
+              </a:rPr>
+              <a:t>'price'</a:t>
+            </a:r>
+            <a:r>
+              <a:rPr lang="en-US" sz="1300" b="0" dirty="0">
+                <a:solidFill>
+                  <a:srgbClr val="F8F8F2"/>
+                </a:solidFill>
+                <a:effectLst/>
+                <a:latin typeface="Consolas" panose="020B0609020204030204" pitchFamily="49" charset="0"/>
+              </a:rPr>
+              <a:t>, </a:t>
+            </a:r>
+            <a:r>
+              <a:rPr lang="en-US" sz="1300" b="0" dirty="0">
+                <a:solidFill>
+                  <a:srgbClr val="E6DB74"/>
+                </a:solidFill>
+                <a:effectLst/>
+                <a:latin typeface="Consolas" panose="020B0609020204030204" pitchFamily="49" charset="0"/>
+              </a:rPr>
+              <a:t>'authors'</a:t>
+            </a:r>
+            <a:r>
+              <a:rPr lang="en-US" sz="1300" b="0" dirty="0">
+                <a:solidFill>
+                  <a:srgbClr val="F8F8F2"/>
+                </a:solidFill>
+                <a:effectLst/>
+                <a:latin typeface="Consolas" panose="020B0609020204030204" pitchFamily="49" charset="0"/>
+              </a:rPr>
+              <a:t>],</a:t>
+            </a:r>
+          </a:p>
+          <a:p>
+            <a:pPr marL="0" indent="0">
+              <a:buNone/>
+            </a:pPr>
+            <a:r>
+              <a:rPr lang="en-US" sz="1300" b="0" dirty="0">
+                <a:solidFill>
+                  <a:srgbClr val="F8F8F2"/>
+                </a:solidFill>
+                <a:effectLst/>
+                <a:latin typeface="Consolas" panose="020B0609020204030204" pitchFamily="49" charset="0"/>
+              </a:rPr>
+              <a:t>            properties: {</a:t>
+            </a:r>
+          </a:p>
+          <a:p>
+            <a:pPr marL="0" indent="0">
+              <a:buNone/>
+            </a:pPr>
+            <a:r>
+              <a:rPr lang="en-US" sz="1300" b="0" dirty="0">
+                <a:solidFill>
+                  <a:srgbClr val="F8F8F2"/>
+                </a:solidFill>
+                <a:effectLst/>
+                <a:latin typeface="Consolas" panose="020B0609020204030204" pitchFamily="49" charset="0"/>
+              </a:rPr>
+              <a:t>                name: {</a:t>
+            </a:r>
+          </a:p>
+          <a:p>
+            <a:pPr marL="0" indent="0">
+              <a:buNone/>
+            </a:pPr>
+            <a:r>
+              <a:rPr lang="en-US" sz="1300" b="0" dirty="0">
+                <a:solidFill>
+                  <a:srgbClr val="F8F8F2"/>
+                </a:solidFill>
+                <a:effectLst/>
+                <a:latin typeface="Consolas" panose="020B0609020204030204" pitchFamily="49" charset="0"/>
+              </a:rPr>
+              <a:t>                    </a:t>
+            </a:r>
+            <a:r>
+              <a:rPr lang="en-US" sz="1300" b="0" dirty="0" err="1">
+                <a:solidFill>
+                  <a:srgbClr val="F8F8F2"/>
+                </a:solidFill>
+                <a:effectLst/>
+                <a:latin typeface="Consolas" panose="020B0609020204030204" pitchFamily="49" charset="0"/>
+              </a:rPr>
+              <a:t>bsonType</a:t>
+            </a:r>
+            <a:r>
+              <a:rPr lang="en-US" sz="1300" b="0" dirty="0">
+                <a:solidFill>
+                  <a:srgbClr val="F8F8F2"/>
+                </a:solidFill>
+                <a:effectLst/>
+                <a:latin typeface="Consolas" panose="020B0609020204030204" pitchFamily="49" charset="0"/>
+              </a:rPr>
+              <a:t>: </a:t>
+            </a:r>
+            <a:r>
+              <a:rPr lang="en-US" sz="1300" b="0" dirty="0">
+                <a:solidFill>
+                  <a:srgbClr val="E6DB74"/>
+                </a:solidFill>
+                <a:effectLst/>
+                <a:latin typeface="Consolas" panose="020B0609020204030204" pitchFamily="49" charset="0"/>
+              </a:rPr>
+              <a:t>'string'</a:t>
+            </a:r>
+            <a:r>
+              <a:rPr lang="en-US" sz="1300" b="0" dirty="0">
+                <a:solidFill>
+                  <a:srgbClr val="F8F8F2"/>
+                </a:solidFill>
+                <a:effectLst/>
+                <a:latin typeface="Consolas" panose="020B0609020204030204" pitchFamily="49" charset="0"/>
+              </a:rPr>
+              <a:t>,</a:t>
+            </a:r>
+          </a:p>
+          <a:p>
+            <a:pPr marL="0" indent="0">
+              <a:buNone/>
+            </a:pPr>
+            <a:r>
+              <a:rPr lang="en-US" sz="1300" b="0" dirty="0">
+                <a:solidFill>
+                  <a:srgbClr val="F8F8F2"/>
+                </a:solidFill>
+                <a:effectLst/>
+                <a:latin typeface="Consolas" panose="020B0609020204030204" pitchFamily="49" charset="0"/>
+              </a:rPr>
+              <a:t>                    description: </a:t>
+            </a:r>
+            <a:r>
+              <a:rPr lang="en-US" sz="1300" b="0" dirty="0">
+                <a:solidFill>
+                  <a:srgbClr val="E6DB74"/>
+                </a:solidFill>
+                <a:effectLst/>
+                <a:latin typeface="Consolas" panose="020B0609020204030204" pitchFamily="49" charset="0"/>
+              </a:rPr>
+              <a:t>'must be string and required'</a:t>
+            </a:r>
+            <a:endParaRPr lang="en-US" sz="1300" b="0" dirty="0">
+              <a:solidFill>
+                <a:srgbClr val="F8F8F2"/>
+              </a:solidFill>
+              <a:effectLst/>
+              <a:latin typeface="Consolas" panose="020B0609020204030204" pitchFamily="49" charset="0"/>
+            </a:endParaRPr>
+          </a:p>
+          <a:p>
+            <a:pPr marL="0" indent="0">
+              <a:buNone/>
+            </a:pPr>
+            <a:r>
+              <a:rPr lang="en-US" sz="1300" b="0" dirty="0">
+                <a:solidFill>
+                  <a:srgbClr val="F8F8F2"/>
+                </a:solidFill>
+                <a:effectLst/>
+                <a:latin typeface="Consolas" panose="020B0609020204030204" pitchFamily="49" charset="0"/>
+              </a:rPr>
+              <a:t>                },</a:t>
+            </a:r>
+          </a:p>
+          <a:p>
+            <a:pPr marL="0" indent="0">
+              <a:buNone/>
+            </a:pPr>
+            <a:r>
+              <a:rPr lang="en-US" sz="1300" b="0" dirty="0">
+                <a:solidFill>
+                  <a:srgbClr val="F8F8F2"/>
+                </a:solidFill>
+                <a:effectLst/>
+                <a:latin typeface="Consolas" panose="020B0609020204030204" pitchFamily="49" charset="0"/>
+              </a:rPr>
+              <a:t>                price: {</a:t>
+            </a:r>
+          </a:p>
+          <a:p>
+            <a:pPr marL="0" indent="0">
+              <a:buNone/>
+            </a:pPr>
+            <a:r>
+              <a:rPr lang="en-US" sz="1300" b="0" dirty="0">
+                <a:solidFill>
+                  <a:srgbClr val="F8F8F2"/>
+                </a:solidFill>
+                <a:effectLst/>
+                <a:latin typeface="Consolas" panose="020B0609020204030204" pitchFamily="49" charset="0"/>
+              </a:rPr>
+              <a:t>                    </a:t>
+            </a:r>
+            <a:r>
+              <a:rPr lang="en-US" sz="1300" b="0" dirty="0" err="1">
+                <a:solidFill>
+                  <a:srgbClr val="F8F8F2"/>
+                </a:solidFill>
+                <a:effectLst/>
+                <a:latin typeface="Consolas" panose="020B0609020204030204" pitchFamily="49" charset="0"/>
+              </a:rPr>
+              <a:t>bsonType</a:t>
+            </a:r>
+            <a:r>
+              <a:rPr lang="en-US" sz="1300" b="0" dirty="0">
+                <a:solidFill>
+                  <a:srgbClr val="F8F8F2"/>
+                </a:solidFill>
+                <a:effectLst/>
+                <a:latin typeface="Consolas" panose="020B0609020204030204" pitchFamily="49" charset="0"/>
+              </a:rPr>
+              <a:t>: </a:t>
+            </a:r>
+            <a:r>
+              <a:rPr lang="en-US" sz="1300" b="0" dirty="0">
+                <a:solidFill>
+                  <a:srgbClr val="E6DB74"/>
+                </a:solidFill>
+                <a:effectLst/>
+                <a:latin typeface="Consolas" panose="020B0609020204030204" pitchFamily="49" charset="0"/>
+              </a:rPr>
+              <a:t>'number'</a:t>
+            </a:r>
+            <a:r>
+              <a:rPr lang="en-US" sz="1300" b="0" dirty="0">
+                <a:solidFill>
+                  <a:srgbClr val="F8F8F2"/>
+                </a:solidFill>
+                <a:effectLst/>
+                <a:latin typeface="Consolas" panose="020B0609020204030204" pitchFamily="49" charset="0"/>
+              </a:rPr>
+              <a:t>,</a:t>
+            </a:r>
+          </a:p>
+          <a:p>
+            <a:pPr marL="0" indent="0">
+              <a:buNone/>
+            </a:pPr>
+            <a:r>
+              <a:rPr lang="en-US" sz="1300" b="0" dirty="0">
+                <a:solidFill>
+                  <a:srgbClr val="F8F8F2"/>
+                </a:solidFill>
+                <a:effectLst/>
+                <a:latin typeface="Consolas" panose="020B0609020204030204" pitchFamily="49" charset="0"/>
+              </a:rPr>
+              <a:t>                    description: </a:t>
+            </a:r>
+            <a:r>
+              <a:rPr lang="en-US" sz="1300" b="0" dirty="0">
+                <a:solidFill>
+                  <a:srgbClr val="E6DB74"/>
+                </a:solidFill>
+                <a:effectLst/>
+                <a:latin typeface="Consolas" panose="020B0609020204030204" pitchFamily="49" charset="0"/>
+              </a:rPr>
+              <a:t>'must be number and required'</a:t>
+            </a:r>
+            <a:endParaRPr lang="en-US" sz="1300" b="0" dirty="0">
+              <a:solidFill>
+                <a:srgbClr val="F8F8F2"/>
+              </a:solidFill>
+              <a:effectLst/>
+              <a:latin typeface="Consolas" panose="020B0609020204030204" pitchFamily="49" charset="0"/>
+            </a:endParaRPr>
+          </a:p>
+          <a:p>
+            <a:pPr marL="0" indent="0">
+              <a:buNone/>
+            </a:pPr>
+            <a:r>
+              <a:rPr lang="en-US" sz="1300" b="0" dirty="0">
+                <a:solidFill>
+                  <a:srgbClr val="F8F8F2"/>
+                </a:solidFill>
+                <a:effectLst/>
+                <a:latin typeface="Consolas" panose="020B0609020204030204" pitchFamily="49" charset="0"/>
+              </a:rPr>
+              <a:t>                },</a:t>
+            </a:r>
+          </a:p>
+          <a:p>
+            <a:pPr marL="0" indent="0">
+              <a:buNone/>
+            </a:pPr>
+            <a:r>
+              <a:rPr lang="en-US" sz="1300" b="0" dirty="0">
+                <a:solidFill>
+                  <a:srgbClr val="F8F8F2"/>
+                </a:solidFill>
+                <a:effectLst/>
+                <a:latin typeface="Consolas" panose="020B0609020204030204" pitchFamily="49" charset="0"/>
+              </a:rPr>
+              <a:t>               </a:t>
+            </a:r>
+            <a:endParaRPr lang="en-US" sz="1400" b="0" dirty="0">
+              <a:solidFill>
+                <a:srgbClr val="F8F8F2"/>
+              </a:solidFill>
+              <a:effectLst/>
+              <a:latin typeface="Consolas" panose="020B0609020204030204" pitchFamily="49" charset="0"/>
+            </a:endParaRPr>
+          </a:p>
+        </p:txBody>
+      </p:sp>
+      <p:sp>
+        <p:nvSpPr>
+          <p:cNvPr id="4" name="Content Placeholder 2">
+            <a:extLst>
+              <a:ext uri="{FF2B5EF4-FFF2-40B4-BE49-F238E27FC236}">
+                <a16:creationId xmlns:a16="http://schemas.microsoft.com/office/drawing/2014/main" id="{876A5A27-E0D5-4977-9452-7B2FA5E878B8}"/>
+              </a:ext>
+            </a:extLst>
+          </p:cNvPr>
+          <p:cNvSpPr txBox="1">
+            <a:spLocks/>
+          </p:cNvSpPr>
+          <p:nvPr/>
+        </p:nvSpPr>
+        <p:spPr>
+          <a:xfrm>
+            <a:off x="6482687" y="1327292"/>
+            <a:ext cx="5709313" cy="5530708"/>
+          </a:xfrm>
+          <a:prstGeom prst="rect">
+            <a:avLst/>
+          </a:prstGeom>
+          <a:ln>
+            <a:solidFill>
+              <a:schemeClr val="accent1"/>
+            </a:solidFill>
+          </a:ln>
+        </p:spPr>
+        <p:txBody>
+          <a:bodyPr vert="horz" lIns="91440" tIns="45720" rIns="91440" bIns="45720" rtlCol="0">
+            <a:normAutofit fontScale="92500" lnSpcReduction="20000"/>
+          </a:bodyPr>
+          <a:lstStyle>
+            <a:lvl1pPr marL="228600" indent="-228600" algn="l" defTabSz="914400" rtl="0" eaLnBrk="1" latinLnBrk="0" hangingPunct="1">
+              <a:lnSpc>
+                <a:spcPct val="90000"/>
+              </a:lnSpc>
+              <a:spcBef>
+                <a:spcPts val="1000"/>
+              </a:spcBef>
+              <a:buFont typeface="Arial" panose="020B0604020202020204" pitchFamily="34" charset="0"/>
+              <a:buChar char="•"/>
+              <a:defRPr sz="2800" kern="1200">
+                <a:solidFill>
+                  <a:schemeClr val="tx1"/>
+                </a:solidFill>
+                <a:latin typeface="+mn-lt"/>
+                <a:ea typeface="+mn-ea"/>
+                <a:cs typeface="+mn-cs"/>
+              </a:defRPr>
+            </a:lvl1pPr>
+            <a:lvl2pPr marL="685800" indent="-228600" algn="l" defTabSz="914400" rtl="0" eaLnBrk="1" latinLnBrk="0" hangingPunct="1">
+              <a:lnSpc>
+                <a:spcPct val="90000"/>
+              </a:lnSpc>
+              <a:spcBef>
+                <a:spcPts val="500"/>
+              </a:spcBef>
+              <a:buFont typeface="Arial" panose="020B0604020202020204" pitchFamily="34" charset="0"/>
+              <a:buChar char="•"/>
+              <a:defRPr sz="2400" kern="1200">
+                <a:solidFill>
+                  <a:schemeClr val="tx1"/>
+                </a:solidFill>
+                <a:latin typeface="+mn-lt"/>
+                <a:ea typeface="+mn-ea"/>
+                <a:cs typeface="+mn-cs"/>
+              </a:defRPr>
+            </a:lvl2pPr>
+            <a:lvl3pPr marL="1143000" indent="-228600" algn="l" defTabSz="914400" rtl="0" eaLnBrk="1" latinLnBrk="0" hangingPunct="1">
+              <a:lnSpc>
+                <a:spcPct val="90000"/>
+              </a:lnSpc>
+              <a:spcBef>
+                <a:spcPts val="500"/>
+              </a:spcBef>
+              <a:buFont typeface="Arial" panose="020B0604020202020204" pitchFamily="34" charset="0"/>
+              <a:buChar char="•"/>
+              <a:defRPr sz="2000" kern="1200">
+                <a:solidFill>
+                  <a:schemeClr val="tx1"/>
+                </a:solidFill>
+                <a:latin typeface="+mn-lt"/>
+                <a:ea typeface="+mn-ea"/>
+                <a:cs typeface="+mn-cs"/>
+              </a:defRPr>
+            </a:lvl3pPr>
+            <a:lvl4pPr marL="1600200" indent="-228600" algn="l" defTabSz="914400" rtl="0" eaLnBrk="1" latinLnBrk="0" hangingPunct="1">
+              <a:lnSpc>
+                <a:spcPct val="90000"/>
+              </a:lnSpc>
+              <a:spcBef>
+                <a:spcPts val="500"/>
+              </a:spcBef>
+              <a:buFont typeface="Arial" panose="020B0604020202020204" pitchFamily="34" charset="0"/>
+              <a:buChar char="•"/>
+              <a:defRPr sz="1800" kern="1200">
+                <a:solidFill>
+                  <a:schemeClr val="tx1"/>
+                </a:solidFill>
+                <a:latin typeface="+mn-lt"/>
+                <a:ea typeface="+mn-ea"/>
+                <a:cs typeface="+mn-cs"/>
+              </a:defRPr>
+            </a:lvl4pPr>
+            <a:lvl5pPr marL="2057400" indent="-228600" algn="l" defTabSz="914400" rtl="0" eaLnBrk="1" latinLnBrk="0" hangingPunct="1">
+              <a:lnSpc>
+                <a:spcPct val="90000"/>
+              </a:lnSpc>
+              <a:spcBef>
+                <a:spcPts val="500"/>
+              </a:spcBef>
+              <a:buFont typeface="Arial" panose="020B0604020202020204" pitchFamily="34" charset="0"/>
+              <a:buChar char="•"/>
+              <a:defRPr sz="1800" kern="1200">
+                <a:solidFill>
+                  <a:schemeClr val="tx1"/>
+                </a:solidFill>
+                <a:latin typeface="+mn-lt"/>
+                <a:ea typeface="+mn-ea"/>
+                <a:cs typeface="+mn-cs"/>
+              </a:defRPr>
+            </a:lvl5pPr>
+            <a:lvl6pPr marL="2514600" indent="-228600" algn="l" defTabSz="914400" rtl="0" eaLnBrk="1" latinLnBrk="0" hangingPunct="1">
+              <a:lnSpc>
+                <a:spcPct val="90000"/>
+              </a:lnSpc>
+              <a:spcBef>
+                <a:spcPts val="500"/>
+              </a:spcBef>
+              <a:buFont typeface="Arial" panose="020B0604020202020204" pitchFamily="34" charset="0"/>
+              <a:buChar char="•"/>
+              <a:defRPr sz="1800" kern="1200">
+                <a:solidFill>
+                  <a:schemeClr val="tx1"/>
+                </a:solidFill>
+                <a:latin typeface="+mn-lt"/>
+                <a:ea typeface="+mn-ea"/>
+                <a:cs typeface="+mn-cs"/>
+              </a:defRPr>
+            </a:lvl6pPr>
+            <a:lvl7pPr marL="2971800" indent="-228600" algn="l" defTabSz="914400" rtl="0" eaLnBrk="1" latinLnBrk="0" hangingPunct="1">
+              <a:lnSpc>
+                <a:spcPct val="90000"/>
+              </a:lnSpc>
+              <a:spcBef>
+                <a:spcPts val="500"/>
+              </a:spcBef>
+              <a:buFont typeface="Arial" panose="020B0604020202020204" pitchFamily="34" charset="0"/>
+              <a:buChar char="•"/>
+              <a:defRPr sz="1800" kern="1200">
+                <a:solidFill>
+                  <a:schemeClr val="tx1"/>
+                </a:solidFill>
+                <a:latin typeface="+mn-lt"/>
+                <a:ea typeface="+mn-ea"/>
+                <a:cs typeface="+mn-cs"/>
+              </a:defRPr>
+            </a:lvl7pPr>
+            <a:lvl8pPr marL="3429000" indent="-228600" algn="l" defTabSz="914400" rtl="0" eaLnBrk="1" latinLnBrk="0" hangingPunct="1">
+              <a:lnSpc>
+                <a:spcPct val="90000"/>
+              </a:lnSpc>
+              <a:spcBef>
+                <a:spcPts val="500"/>
+              </a:spcBef>
+              <a:buFont typeface="Arial" panose="020B0604020202020204" pitchFamily="34" charset="0"/>
+              <a:buChar char="•"/>
+              <a:defRPr sz="1800" kern="1200">
+                <a:solidFill>
+                  <a:schemeClr val="tx1"/>
+                </a:solidFill>
+                <a:latin typeface="+mn-lt"/>
+                <a:ea typeface="+mn-ea"/>
+                <a:cs typeface="+mn-cs"/>
+              </a:defRPr>
+            </a:lvl8pPr>
+            <a:lvl9pPr marL="3886200" indent="-228600" algn="l" defTabSz="914400" rtl="0" eaLnBrk="1" latinLnBrk="0" hangingPunct="1">
+              <a:lnSpc>
+                <a:spcPct val="90000"/>
+              </a:lnSpc>
+              <a:spcBef>
+                <a:spcPts val="500"/>
+              </a:spcBef>
+              <a:buFont typeface="Arial" panose="020B0604020202020204" pitchFamily="34" charset="0"/>
+              <a:buChar char="•"/>
+              <a:defRPr sz="1800" kern="1200">
+                <a:solidFill>
+                  <a:schemeClr val="tx1"/>
+                </a:solidFill>
+                <a:latin typeface="+mn-lt"/>
+                <a:ea typeface="+mn-ea"/>
+                <a:cs typeface="+mn-cs"/>
+              </a:defRPr>
+            </a:lvl9pPr>
+          </a:lstStyle>
+          <a:p>
+            <a:pPr marL="0" indent="0">
+              <a:buFont typeface="Arial" panose="020B0604020202020204" pitchFamily="34" charset="0"/>
+              <a:buNone/>
+            </a:pPr>
+            <a:r>
+              <a:rPr lang="en-US" sz="1300" dirty="0">
+                <a:solidFill>
+                  <a:srgbClr val="F8F8F2"/>
+                </a:solidFill>
+                <a:latin typeface="Consolas" panose="020B0609020204030204" pitchFamily="49" charset="0"/>
+              </a:rPr>
+              <a:t>                authors:{</a:t>
+            </a:r>
+          </a:p>
+          <a:p>
+            <a:pPr marL="0" indent="0">
+              <a:buFont typeface="Arial" panose="020B0604020202020204" pitchFamily="34" charset="0"/>
+              <a:buNone/>
+            </a:pPr>
+            <a:r>
+              <a:rPr lang="en-US" sz="1300" dirty="0">
+                <a:solidFill>
+                  <a:srgbClr val="F8F8F2"/>
+                </a:solidFill>
+                <a:latin typeface="Consolas" panose="020B0609020204030204" pitchFamily="49" charset="0"/>
+              </a:rPr>
+              <a:t>                    </a:t>
+            </a:r>
+            <a:r>
+              <a:rPr lang="en-US" sz="1300" dirty="0" err="1">
+                <a:solidFill>
+                  <a:srgbClr val="F8F8F2"/>
+                </a:solidFill>
+                <a:latin typeface="Consolas" panose="020B0609020204030204" pitchFamily="49" charset="0"/>
+              </a:rPr>
+              <a:t>bsonType</a:t>
+            </a:r>
+            <a:r>
+              <a:rPr lang="en-US" sz="1300" dirty="0">
+                <a:solidFill>
+                  <a:srgbClr val="F8F8F2"/>
+                </a:solidFill>
+                <a:latin typeface="Consolas" panose="020B0609020204030204" pitchFamily="49" charset="0"/>
+              </a:rPr>
+              <a:t>: </a:t>
+            </a:r>
+            <a:r>
+              <a:rPr lang="en-US" sz="1300" dirty="0">
+                <a:solidFill>
+                  <a:srgbClr val="E6DB74"/>
+                </a:solidFill>
+                <a:latin typeface="Consolas" panose="020B0609020204030204" pitchFamily="49" charset="0"/>
+              </a:rPr>
+              <a:t>'array'</a:t>
+            </a:r>
+            <a:r>
+              <a:rPr lang="en-US" sz="1300" dirty="0">
+                <a:solidFill>
+                  <a:srgbClr val="F8F8F2"/>
+                </a:solidFill>
+                <a:latin typeface="Consolas" panose="020B0609020204030204" pitchFamily="49" charset="0"/>
+              </a:rPr>
+              <a:t>,</a:t>
+            </a:r>
+          </a:p>
+          <a:p>
+            <a:pPr marL="0" indent="0">
+              <a:buFont typeface="Arial" panose="020B0604020202020204" pitchFamily="34" charset="0"/>
+              <a:buNone/>
+            </a:pPr>
+            <a:r>
+              <a:rPr lang="en-US" sz="1300" dirty="0">
+                <a:solidFill>
+                  <a:srgbClr val="F8F8F2"/>
+                </a:solidFill>
+                <a:latin typeface="Consolas" panose="020B0609020204030204" pitchFamily="49" charset="0"/>
+              </a:rPr>
+              <a:t>                    description: </a:t>
+            </a:r>
+            <a:r>
+              <a:rPr lang="en-US" sz="1300" dirty="0">
+                <a:solidFill>
+                  <a:srgbClr val="E6DB74"/>
+                </a:solidFill>
+                <a:latin typeface="Consolas" panose="020B0609020204030204" pitchFamily="49" charset="0"/>
+              </a:rPr>
+              <a:t>'must be an array and required'</a:t>
+            </a:r>
+            <a:r>
+              <a:rPr lang="en-US" sz="1300" dirty="0">
+                <a:solidFill>
+                  <a:srgbClr val="F8F8F2"/>
+                </a:solidFill>
+                <a:latin typeface="Consolas" panose="020B0609020204030204" pitchFamily="49" charset="0"/>
+              </a:rPr>
+              <a:t>,</a:t>
+            </a:r>
+          </a:p>
+          <a:p>
+            <a:pPr marL="0" indent="0">
+              <a:buFont typeface="Arial" panose="020B0604020202020204" pitchFamily="34" charset="0"/>
+              <a:buNone/>
+            </a:pPr>
+            <a:r>
+              <a:rPr lang="en-US" sz="1300" dirty="0">
+                <a:solidFill>
+                  <a:srgbClr val="F8F8F2"/>
+                </a:solidFill>
+                <a:latin typeface="Consolas" panose="020B0609020204030204" pitchFamily="49" charset="0"/>
+              </a:rPr>
+              <a:t>                    items:{</a:t>
+            </a:r>
+          </a:p>
+          <a:p>
+            <a:pPr marL="0" indent="0">
+              <a:buFont typeface="Arial" panose="020B0604020202020204" pitchFamily="34" charset="0"/>
+              <a:buNone/>
+            </a:pPr>
+            <a:r>
+              <a:rPr lang="en-US" sz="1300" dirty="0">
+                <a:solidFill>
+                  <a:srgbClr val="F8F8F2"/>
+                </a:solidFill>
+                <a:latin typeface="Consolas" panose="020B0609020204030204" pitchFamily="49" charset="0"/>
+              </a:rPr>
+              <a:t>                        </a:t>
+            </a:r>
+            <a:r>
+              <a:rPr lang="en-US" sz="1300" dirty="0" err="1">
+                <a:solidFill>
+                  <a:srgbClr val="F8F8F2"/>
+                </a:solidFill>
+                <a:latin typeface="Consolas" panose="020B0609020204030204" pitchFamily="49" charset="0"/>
+              </a:rPr>
+              <a:t>bsonType</a:t>
+            </a:r>
+            <a:r>
+              <a:rPr lang="en-US" sz="1300" dirty="0">
+                <a:solidFill>
+                  <a:srgbClr val="F8F8F2"/>
+                </a:solidFill>
+                <a:latin typeface="Consolas" panose="020B0609020204030204" pitchFamily="49" charset="0"/>
+              </a:rPr>
+              <a:t>: </a:t>
+            </a:r>
+            <a:r>
+              <a:rPr lang="en-US" sz="1300" dirty="0">
+                <a:solidFill>
+                  <a:srgbClr val="E6DB74"/>
+                </a:solidFill>
+                <a:latin typeface="Consolas" panose="020B0609020204030204" pitchFamily="49" charset="0"/>
+              </a:rPr>
+              <a:t>'object'</a:t>
+            </a:r>
+            <a:r>
+              <a:rPr lang="en-US" sz="1300" dirty="0">
+                <a:solidFill>
+                  <a:srgbClr val="F8F8F2"/>
+                </a:solidFill>
+                <a:latin typeface="Consolas" panose="020B0609020204030204" pitchFamily="49" charset="0"/>
+              </a:rPr>
+              <a:t>,</a:t>
+            </a:r>
+          </a:p>
+          <a:p>
+            <a:pPr marL="0" indent="0">
+              <a:buFont typeface="Arial" panose="020B0604020202020204" pitchFamily="34" charset="0"/>
+              <a:buNone/>
+            </a:pPr>
+            <a:r>
+              <a:rPr lang="en-US" sz="1300" dirty="0">
+                <a:solidFill>
+                  <a:srgbClr val="F8F8F2"/>
+                </a:solidFill>
+                <a:latin typeface="Consolas" panose="020B0609020204030204" pitchFamily="49" charset="0"/>
+              </a:rPr>
+              <a:t>                        required: [</a:t>
+            </a:r>
+            <a:r>
+              <a:rPr lang="en-US" sz="1300" dirty="0">
+                <a:solidFill>
+                  <a:srgbClr val="E6DB74"/>
+                </a:solidFill>
+                <a:latin typeface="Consolas" panose="020B0609020204030204" pitchFamily="49" charset="0"/>
+              </a:rPr>
+              <a:t>'name'</a:t>
+            </a:r>
+            <a:r>
+              <a:rPr lang="en-US" sz="1300" dirty="0">
+                <a:solidFill>
+                  <a:srgbClr val="F8F8F2"/>
+                </a:solidFill>
+                <a:latin typeface="Consolas" panose="020B0609020204030204" pitchFamily="49" charset="0"/>
+              </a:rPr>
+              <a:t>, </a:t>
+            </a:r>
+            <a:r>
+              <a:rPr lang="en-US" sz="1300" dirty="0">
+                <a:solidFill>
+                  <a:srgbClr val="E6DB74"/>
+                </a:solidFill>
+                <a:latin typeface="Consolas" panose="020B0609020204030204" pitchFamily="49" charset="0"/>
+              </a:rPr>
+              <a:t>'email'</a:t>
+            </a:r>
+            <a:r>
+              <a:rPr lang="en-US" sz="1300" dirty="0">
+                <a:solidFill>
+                  <a:srgbClr val="F8F8F2"/>
+                </a:solidFill>
+                <a:latin typeface="Consolas" panose="020B0609020204030204" pitchFamily="49" charset="0"/>
+              </a:rPr>
+              <a:t>],</a:t>
+            </a:r>
+          </a:p>
+          <a:p>
+            <a:pPr marL="0" indent="0">
+              <a:buFont typeface="Arial" panose="020B0604020202020204" pitchFamily="34" charset="0"/>
+              <a:buNone/>
+            </a:pPr>
+            <a:r>
+              <a:rPr lang="en-US" sz="1300" dirty="0">
+                <a:solidFill>
+                  <a:srgbClr val="F8F8F2"/>
+                </a:solidFill>
+                <a:latin typeface="Consolas" panose="020B0609020204030204" pitchFamily="49" charset="0"/>
+              </a:rPr>
+              <a:t>                        properties: {</a:t>
+            </a:r>
+          </a:p>
+          <a:p>
+            <a:pPr marL="0" indent="0">
+              <a:buFont typeface="Arial" panose="020B0604020202020204" pitchFamily="34" charset="0"/>
+              <a:buNone/>
+            </a:pPr>
+            <a:r>
+              <a:rPr lang="en-US" sz="1300" dirty="0">
+                <a:solidFill>
+                  <a:srgbClr val="F8F8F2"/>
+                </a:solidFill>
+                <a:latin typeface="Consolas" panose="020B0609020204030204" pitchFamily="49" charset="0"/>
+              </a:rPr>
+              <a:t>                            name: {</a:t>
+            </a:r>
+          </a:p>
+          <a:p>
+            <a:pPr marL="0" indent="0">
+              <a:buFont typeface="Arial" panose="020B0604020202020204" pitchFamily="34" charset="0"/>
+              <a:buNone/>
+            </a:pPr>
+            <a:r>
+              <a:rPr lang="en-US" sz="1300" dirty="0">
+                <a:solidFill>
+                  <a:srgbClr val="F8F8F2"/>
+                </a:solidFill>
+                <a:latin typeface="Consolas" panose="020B0609020204030204" pitchFamily="49" charset="0"/>
+              </a:rPr>
+              <a:t>                                </a:t>
+            </a:r>
+            <a:r>
+              <a:rPr lang="en-US" sz="1300" dirty="0" err="1">
+                <a:solidFill>
+                  <a:srgbClr val="F8F8F2"/>
+                </a:solidFill>
+                <a:latin typeface="Consolas" panose="020B0609020204030204" pitchFamily="49" charset="0"/>
+              </a:rPr>
+              <a:t>bsonType</a:t>
+            </a:r>
+            <a:r>
+              <a:rPr lang="en-US" sz="1300" dirty="0">
+                <a:solidFill>
+                  <a:srgbClr val="F8F8F2"/>
+                </a:solidFill>
+                <a:latin typeface="Consolas" panose="020B0609020204030204" pitchFamily="49" charset="0"/>
+              </a:rPr>
+              <a:t>: </a:t>
+            </a:r>
+            <a:r>
+              <a:rPr lang="en-US" sz="1300" dirty="0">
+                <a:solidFill>
+                  <a:srgbClr val="E6DB74"/>
+                </a:solidFill>
+                <a:latin typeface="Consolas" panose="020B0609020204030204" pitchFamily="49" charset="0"/>
+              </a:rPr>
+              <a:t>'string'</a:t>
+            </a:r>
+            <a:r>
+              <a:rPr lang="en-US" sz="1300" dirty="0">
+                <a:solidFill>
+                  <a:srgbClr val="F8F8F2"/>
+                </a:solidFill>
+                <a:latin typeface="Consolas" panose="020B0609020204030204" pitchFamily="49" charset="0"/>
+              </a:rPr>
+              <a:t>,</a:t>
+            </a:r>
+          </a:p>
+          <a:p>
+            <a:pPr marL="0" indent="0">
+              <a:buFont typeface="Arial" panose="020B0604020202020204" pitchFamily="34" charset="0"/>
+              <a:buNone/>
+            </a:pPr>
+            <a:r>
+              <a:rPr lang="en-US" sz="1300" dirty="0">
+                <a:solidFill>
+                  <a:srgbClr val="F8F8F2"/>
+                </a:solidFill>
+                <a:latin typeface="Consolas" panose="020B0609020204030204" pitchFamily="49" charset="0"/>
+              </a:rPr>
+              <a:t>                            },</a:t>
+            </a:r>
+          </a:p>
+          <a:p>
+            <a:pPr marL="0" indent="0">
+              <a:buFont typeface="Arial" panose="020B0604020202020204" pitchFamily="34" charset="0"/>
+              <a:buNone/>
+            </a:pPr>
+            <a:r>
+              <a:rPr lang="en-US" sz="1300" dirty="0">
+                <a:solidFill>
+                  <a:srgbClr val="F8F8F2"/>
+                </a:solidFill>
+                <a:latin typeface="Consolas" panose="020B0609020204030204" pitchFamily="49" charset="0"/>
+              </a:rPr>
+              <a:t>                            email: {</a:t>
+            </a:r>
+          </a:p>
+          <a:p>
+            <a:pPr marL="0" indent="0">
+              <a:buFont typeface="Arial" panose="020B0604020202020204" pitchFamily="34" charset="0"/>
+              <a:buNone/>
+            </a:pPr>
+            <a:r>
+              <a:rPr lang="en-US" sz="1300" dirty="0">
+                <a:solidFill>
+                  <a:srgbClr val="F8F8F2"/>
+                </a:solidFill>
+                <a:latin typeface="Consolas" panose="020B0609020204030204" pitchFamily="49" charset="0"/>
+              </a:rPr>
+              <a:t>                                </a:t>
+            </a:r>
+            <a:r>
+              <a:rPr lang="en-US" sz="1300" dirty="0" err="1">
+                <a:solidFill>
+                  <a:srgbClr val="F8F8F2"/>
+                </a:solidFill>
+                <a:latin typeface="Consolas" panose="020B0609020204030204" pitchFamily="49" charset="0"/>
+              </a:rPr>
+              <a:t>bsonType</a:t>
+            </a:r>
+            <a:r>
+              <a:rPr lang="en-US" sz="1300" dirty="0">
+                <a:solidFill>
+                  <a:srgbClr val="F8F8F2"/>
+                </a:solidFill>
+                <a:latin typeface="Consolas" panose="020B0609020204030204" pitchFamily="49" charset="0"/>
+              </a:rPr>
+              <a:t>: </a:t>
+            </a:r>
+            <a:r>
+              <a:rPr lang="en-US" sz="1300" dirty="0">
+                <a:solidFill>
+                  <a:srgbClr val="E6DB74"/>
+                </a:solidFill>
+                <a:latin typeface="Consolas" panose="020B0609020204030204" pitchFamily="49" charset="0"/>
+              </a:rPr>
+              <a:t>'string'</a:t>
+            </a:r>
+            <a:endParaRPr lang="en-US" sz="1300" dirty="0">
+              <a:solidFill>
+                <a:srgbClr val="F8F8F2"/>
+              </a:solidFill>
+              <a:latin typeface="Consolas" panose="020B0609020204030204" pitchFamily="49" charset="0"/>
+            </a:endParaRPr>
+          </a:p>
+          <a:p>
+            <a:pPr marL="0" indent="0">
+              <a:buFont typeface="Arial" panose="020B0604020202020204" pitchFamily="34" charset="0"/>
+              <a:buNone/>
+            </a:pPr>
+            <a:r>
+              <a:rPr lang="en-US" sz="1300" dirty="0">
+                <a:solidFill>
+                  <a:srgbClr val="F8F8F2"/>
+                </a:solidFill>
+                <a:latin typeface="Consolas" panose="020B0609020204030204" pitchFamily="49" charset="0"/>
+              </a:rPr>
+              <a:t>                            }</a:t>
+            </a:r>
+          </a:p>
+          <a:p>
+            <a:pPr marL="0" indent="0">
+              <a:buFont typeface="Arial" panose="020B0604020202020204" pitchFamily="34" charset="0"/>
+              <a:buNone/>
+            </a:pPr>
+            <a:r>
+              <a:rPr lang="en-US" sz="1300" dirty="0">
+                <a:solidFill>
+                  <a:srgbClr val="F8F8F2"/>
+                </a:solidFill>
+                <a:latin typeface="Consolas" panose="020B0609020204030204" pitchFamily="49" charset="0"/>
+              </a:rPr>
+              <a:t>                        }</a:t>
+            </a:r>
+          </a:p>
+          <a:p>
+            <a:pPr marL="0" indent="0">
+              <a:buFont typeface="Arial" panose="020B0604020202020204" pitchFamily="34" charset="0"/>
+              <a:buNone/>
+            </a:pPr>
+            <a:r>
+              <a:rPr lang="en-US" sz="1300" dirty="0">
+                <a:solidFill>
+                  <a:srgbClr val="F8F8F2"/>
+                </a:solidFill>
+                <a:latin typeface="Consolas" panose="020B0609020204030204" pitchFamily="49" charset="0"/>
+              </a:rPr>
+              <a:t>                    }</a:t>
+            </a:r>
+          </a:p>
+          <a:p>
+            <a:pPr marL="0" indent="0">
+              <a:buFont typeface="Arial" panose="020B0604020202020204" pitchFamily="34" charset="0"/>
+              <a:buNone/>
+            </a:pPr>
+            <a:r>
+              <a:rPr lang="en-US" sz="1300" dirty="0">
+                <a:solidFill>
+                  <a:srgbClr val="F8F8F2"/>
+                </a:solidFill>
+                <a:latin typeface="Consolas" panose="020B0609020204030204" pitchFamily="49" charset="0"/>
+              </a:rPr>
+              <a:t>                }</a:t>
+            </a:r>
+          </a:p>
+          <a:p>
+            <a:pPr marL="0" indent="0">
+              <a:buFont typeface="Arial" panose="020B0604020202020204" pitchFamily="34" charset="0"/>
+              <a:buNone/>
+            </a:pPr>
+            <a:r>
+              <a:rPr lang="en-US" sz="1300" dirty="0">
+                <a:solidFill>
+                  <a:srgbClr val="F8F8F2"/>
+                </a:solidFill>
+                <a:latin typeface="Consolas" panose="020B0609020204030204" pitchFamily="49" charset="0"/>
+              </a:rPr>
+              <a:t>            }</a:t>
+            </a:r>
+          </a:p>
+          <a:p>
+            <a:pPr marL="0" indent="0">
+              <a:buFont typeface="Arial" panose="020B0604020202020204" pitchFamily="34" charset="0"/>
+              <a:buNone/>
+            </a:pPr>
+            <a:r>
+              <a:rPr lang="en-US" sz="1300" dirty="0">
+                <a:solidFill>
+                  <a:srgbClr val="F8F8F2"/>
+                </a:solidFill>
+                <a:latin typeface="Consolas" panose="020B0609020204030204" pitchFamily="49" charset="0"/>
+              </a:rPr>
+              <a:t>        }</a:t>
+            </a:r>
+          </a:p>
+          <a:p>
+            <a:pPr marL="0" indent="0">
+              <a:buFont typeface="Arial" panose="020B0604020202020204" pitchFamily="34" charset="0"/>
+              <a:buNone/>
+            </a:pPr>
+            <a:r>
+              <a:rPr lang="en-US" sz="1300" dirty="0">
+                <a:solidFill>
+                  <a:srgbClr val="F8F8F2"/>
+                </a:solidFill>
+                <a:latin typeface="Consolas" panose="020B0609020204030204" pitchFamily="49" charset="0"/>
+              </a:rPr>
+              <a:t>    },</a:t>
+            </a:r>
+          </a:p>
+          <a:p>
+            <a:pPr marL="0" indent="0">
+              <a:buFont typeface="Arial" panose="020B0604020202020204" pitchFamily="34" charset="0"/>
+              <a:buNone/>
+            </a:pPr>
+            <a:r>
+              <a:rPr lang="en-US" sz="1300" dirty="0">
+                <a:solidFill>
+                  <a:srgbClr val="F8F8F2"/>
+                </a:solidFill>
+                <a:latin typeface="Consolas" panose="020B0609020204030204" pitchFamily="49" charset="0"/>
+              </a:rPr>
+              <a:t>    </a:t>
+            </a:r>
+            <a:r>
+              <a:rPr lang="en-US" sz="1300" dirty="0" err="1">
+                <a:solidFill>
+                  <a:srgbClr val="F8F8F2"/>
+                </a:solidFill>
+                <a:latin typeface="Consolas" panose="020B0609020204030204" pitchFamily="49" charset="0"/>
+              </a:rPr>
+              <a:t>validationAction</a:t>
+            </a:r>
+            <a:r>
+              <a:rPr lang="en-US" sz="1300" dirty="0">
+                <a:solidFill>
+                  <a:srgbClr val="F8F8F2"/>
+                </a:solidFill>
+                <a:latin typeface="Consolas" panose="020B0609020204030204" pitchFamily="49" charset="0"/>
+              </a:rPr>
+              <a:t>: </a:t>
+            </a:r>
+            <a:r>
+              <a:rPr lang="en-US" sz="1300" dirty="0">
+                <a:solidFill>
+                  <a:srgbClr val="E6DB74"/>
+                </a:solidFill>
+                <a:latin typeface="Consolas" panose="020B0609020204030204" pitchFamily="49" charset="0"/>
+              </a:rPr>
+              <a:t>'error'</a:t>
+            </a:r>
+            <a:endParaRPr lang="en-US" sz="1300" dirty="0">
+              <a:solidFill>
+                <a:srgbClr val="F8F8F2"/>
+              </a:solidFill>
+              <a:latin typeface="Consolas" panose="020B0609020204030204" pitchFamily="49" charset="0"/>
+            </a:endParaRPr>
+          </a:p>
+          <a:p>
+            <a:pPr marL="0" indent="0">
+              <a:buFont typeface="Arial" panose="020B0604020202020204" pitchFamily="34" charset="0"/>
+              <a:buNone/>
+            </a:pPr>
+            <a:r>
+              <a:rPr lang="en-US" sz="1300" dirty="0">
+                <a:solidFill>
+                  <a:srgbClr val="F8F8F2"/>
+                </a:solidFill>
+                <a:latin typeface="Consolas" panose="020B0609020204030204" pitchFamily="49" charset="0"/>
+              </a:rPr>
+              <a:t>})</a:t>
+            </a:r>
+          </a:p>
+          <a:p>
+            <a:pPr marL="0" indent="0">
+              <a:buFont typeface="Arial" panose="020B0604020202020204" pitchFamily="34" charset="0"/>
+              <a:buNone/>
+            </a:pPr>
+            <a:endParaRPr lang="en-US" sz="1400" dirty="0">
+              <a:solidFill>
+                <a:srgbClr val="F8F8F2"/>
+              </a:solidFill>
+              <a:latin typeface="Consolas" panose="020B0609020204030204" pitchFamily="49" charset="0"/>
+            </a:endParaRPr>
+          </a:p>
+        </p:txBody>
+      </p:sp>
+    </p:spTree>
+    <p:extLst>
+      <p:ext uri="{BB962C8B-B14F-4D97-AF65-F5344CB8AC3E}">
+        <p14:creationId xmlns:p14="http://schemas.microsoft.com/office/powerpoint/2010/main" val="1537638702"/>
       </p:ext>
     </p:extLst>
   </p:cSld>
